--- a/quarta entrega/Quarta entrega.pptx
+++ b/quarta entrega/Quarta entrega.pptx
@@ -1,120 +1,25 @@
 
 <file path=ppt/presentation.xml><?xml version="1.0" encoding="utf-8"?>
-<p:presentation xmlns:a="http://schemas.openxmlformats.org/drawingml/2006/main" xmlns:r="http://schemas.openxmlformats.org/officeDocument/2006/relationships" xmlns:p="http://schemas.openxmlformats.org/presentationml/2006/main">
+<p:presentation xmlns:a="http://schemas.openxmlformats.org/drawingml/2006/main" xmlns:p="http://schemas.openxmlformats.org/presentationml/2006/main" xmlns:r="http://schemas.openxmlformats.org/officeDocument/2006/relationships" xmlns:p14="http://schemas.microsoft.com/office/powerpoint/2010/main" xmlns:p15="http://schemas.microsoft.com/office/powerpoint/2012/main" xmlns:mc="http://schemas.openxmlformats.org/markup-compatibility/2006">
   <p:sldMasterIdLst>
-    <p:sldMasterId id="2147483648" r:id="rId1"/>
+    <p:sldMasterId id="2147483648" r:id="rId2"/>
   </p:sldMasterIdLst>
   <p:sldIdLst>
-    <p:sldId id="256" r:id="rId2"/>
-    <p:sldId id="257" r:id="rId3"/>
-    <p:sldId id="260" r:id="rId4"/>
+    <p:sldId id="256" r:id="rId3"/>
+    <p:sldId id="257" r:id="rId4"/>
     <p:sldId id="258" r:id="rId5"/>
     <p:sldId id="259" r:id="rId6"/>
-    <p:sldId id="261" r:id="rId7"/>
-    <p:sldId id="262" r:id="rId8"/>
+    <p:sldId id="260" r:id="rId7"/>
+    <p:sldId id="261" r:id="rId8"/>
+    <p:sldId id="262" r:id="rId9"/>
   </p:sldIdLst>
   <p:sldSz cx="12192000" cy="6858000"/>
-  <p:notesSz cx="7559675" cy="10691813"/>
-  <p:defaultTextStyle>
-    <a:defPPr>
-      <a:defRPr lang="pt-BR"/>
-    </a:defPPr>
-    <a:lvl1pPr marL="0" algn="l" defTabSz="914400" rtl="0" eaLnBrk="1" latinLnBrk="0" hangingPunct="1">
-      <a:defRPr sz="1800" kern="1200">
-        <a:solidFill>
-          <a:schemeClr val="tx1"/>
-        </a:solidFill>
-        <a:latin typeface="+mn-lt"/>
-        <a:ea typeface="+mn-ea"/>
-        <a:cs typeface="+mn-cs"/>
-      </a:defRPr>
-    </a:lvl1pPr>
-    <a:lvl2pPr marL="457200" algn="l" defTabSz="914400" rtl="0" eaLnBrk="1" latinLnBrk="0" hangingPunct="1">
-      <a:defRPr sz="1800" kern="1200">
-        <a:solidFill>
-          <a:schemeClr val="tx1"/>
-        </a:solidFill>
-        <a:latin typeface="+mn-lt"/>
-        <a:ea typeface="+mn-ea"/>
-        <a:cs typeface="+mn-cs"/>
-      </a:defRPr>
-    </a:lvl2pPr>
-    <a:lvl3pPr marL="914400" algn="l" defTabSz="914400" rtl="0" eaLnBrk="1" latinLnBrk="0" hangingPunct="1">
-      <a:defRPr sz="1800" kern="1200">
-        <a:solidFill>
-          <a:schemeClr val="tx1"/>
-        </a:solidFill>
-        <a:latin typeface="+mn-lt"/>
-        <a:ea typeface="+mn-ea"/>
-        <a:cs typeface="+mn-cs"/>
-      </a:defRPr>
-    </a:lvl3pPr>
-    <a:lvl4pPr marL="1371600" algn="l" defTabSz="914400" rtl="0" eaLnBrk="1" latinLnBrk="0" hangingPunct="1">
-      <a:defRPr sz="1800" kern="1200">
-        <a:solidFill>
-          <a:schemeClr val="tx1"/>
-        </a:solidFill>
-        <a:latin typeface="+mn-lt"/>
-        <a:ea typeface="+mn-ea"/>
-        <a:cs typeface="+mn-cs"/>
-      </a:defRPr>
-    </a:lvl4pPr>
-    <a:lvl5pPr marL="1828800" algn="l" defTabSz="914400" rtl="0" eaLnBrk="1" latinLnBrk="0" hangingPunct="1">
-      <a:defRPr sz="1800" kern="1200">
-        <a:solidFill>
-          <a:schemeClr val="tx1"/>
-        </a:solidFill>
-        <a:latin typeface="+mn-lt"/>
-        <a:ea typeface="+mn-ea"/>
-        <a:cs typeface="+mn-cs"/>
-      </a:defRPr>
-    </a:lvl5pPr>
-    <a:lvl6pPr marL="2286000" algn="l" defTabSz="914400" rtl="0" eaLnBrk="1" latinLnBrk="0" hangingPunct="1">
-      <a:defRPr sz="1800" kern="1200">
-        <a:solidFill>
-          <a:schemeClr val="tx1"/>
-        </a:solidFill>
-        <a:latin typeface="+mn-lt"/>
-        <a:ea typeface="+mn-ea"/>
-        <a:cs typeface="+mn-cs"/>
-      </a:defRPr>
-    </a:lvl6pPr>
-    <a:lvl7pPr marL="2743200" algn="l" defTabSz="914400" rtl="0" eaLnBrk="1" latinLnBrk="0" hangingPunct="1">
-      <a:defRPr sz="1800" kern="1200">
-        <a:solidFill>
-          <a:schemeClr val="tx1"/>
-        </a:solidFill>
-        <a:latin typeface="+mn-lt"/>
-        <a:ea typeface="+mn-ea"/>
-        <a:cs typeface="+mn-cs"/>
-      </a:defRPr>
-    </a:lvl7pPr>
-    <a:lvl8pPr marL="3200400" algn="l" defTabSz="914400" rtl="0" eaLnBrk="1" latinLnBrk="0" hangingPunct="1">
-      <a:defRPr sz="1800" kern="1200">
-        <a:solidFill>
-          <a:schemeClr val="tx1"/>
-        </a:solidFill>
-        <a:latin typeface="+mn-lt"/>
-        <a:ea typeface="+mn-ea"/>
-        <a:cs typeface="+mn-cs"/>
-      </a:defRPr>
-    </a:lvl8pPr>
-    <a:lvl9pPr marL="3657600" algn="l" defTabSz="914400" rtl="0" eaLnBrk="1" latinLnBrk="0" hangingPunct="1">
-      <a:defRPr sz="1800" kern="1200">
-        <a:solidFill>
-          <a:schemeClr val="tx1"/>
-        </a:solidFill>
-        <a:latin typeface="+mn-lt"/>
-        <a:ea typeface="+mn-ea"/>
-        <a:cs typeface="+mn-cs"/>
-      </a:defRPr>
-    </a:lvl9pPr>
-  </p:defaultTextStyle>
+  <p:notesSz cx="7559675" cy="10691812"/>
 </p:presentation>
 </file>
 
 <file path=ppt/slideLayouts/slideLayout1.xml><?xml version="1.0" encoding="utf-8"?>
-<p:sldLayout xmlns:a="http://schemas.openxmlformats.org/drawingml/2006/main" xmlns:r="http://schemas.openxmlformats.org/officeDocument/2006/relationships" xmlns:p="http://schemas.openxmlformats.org/presentationml/2006/main" type="blank" preserve="1">
+<p:sldLayout xmlns:a="http://schemas.openxmlformats.org/drawingml/2006/main" xmlns:p="http://schemas.openxmlformats.org/presentationml/2006/main" xmlns:r="http://schemas.openxmlformats.org/officeDocument/2006/relationships" xmlns:p14="http://schemas.microsoft.com/office/powerpoint/2010/main" xmlns:p15="http://schemas.microsoft.com/office/powerpoint/2012/main" xmlns:mc="http://schemas.openxmlformats.org/markup-compatibility/2006" type="blank" preserve="1">
   <p:cSld name="Blank Slide">
     <p:spTree>
       <p:nvGrpSpPr>
@@ -132,14 +37,11 @@
       </p:grpSpPr>
     </p:spTree>
   </p:cSld>
-  <p:clrMapOvr>
-    <a:masterClrMapping/>
-  </p:clrMapOvr>
 </p:sldLayout>
 </file>
 
 <file path=ppt/slideLayouts/slideLayout10.xml><?xml version="1.0" encoding="utf-8"?>
-<p:sldLayout xmlns:a="http://schemas.openxmlformats.org/drawingml/2006/main" xmlns:r="http://schemas.openxmlformats.org/officeDocument/2006/relationships" xmlns:p="http://schemas.openxmlformats.org/presentationml/2006/main" type="objOverTx" preserve="1">
+<p:sldLayout xmlns:a="http://schemas.openxmlformats.org/drawingml/2006/main" xmlns:p="http://schemas.openxmlformats.org/presentationml/2006/main" xmlns:r="http://schemas.openxmlformats.org/officeDocument/2006/relationships" xmlns:p14="http://schemas.microsoft.com/office/powerpoint/2010/main" xmlns:p15="http://schemas.microsoft.com/office/powerpoint/2012/main" xmlns:mc="http://schemas.openxmlformats.org/markup-compatibility/2006" type="objOverTx" preserve="1">
   <p:cSld name="Title, Content over Content">
     <p:spTree>
       <p:nvGrpSpPr>
@@ -175,11 +77,12 @@
           </a:prstGeom>
         </p:spPr>
         <p:txBody>
-          <a:bodyPr lIns="0" tIns="0" rIns="0" bIns="0" anchor="ctr"/>
-          <a:lstStyle/>
-          <a:p>
-            <a:pPr algn="ctr"/>
-            <a:endParaRPr lang="pt-BR" sz="4400" b="0" strike="noStrike" spc="-1">
+          <a:bodyPr lIns="0" rIns="0" tIns="0" bIns="0" anchor="ctr"/>
+          <a:p>
+            <a:endParaRPr b="0" lang="pt-BR" sz="1800" spc="-1" strike="noStrike">
+              <a:solidFill>
+                <a:srgbClr val="000000"/>
+              </a:solidFill>
               <a:latin typeface="Arial"/>
             </a:endParaRPr>
           </a:p>
@@ -205,12 +108,14 @@
           </a:prstGeom>
         </p:spPr>
         <p:txBody>
-          <a:bodyPr lIns="0" tIns="0" rIns="0" bIns="0">
+          <a:bodyPr lIns="0" rIns="0" tIns="0" bIns="0">
             <a:normAutofit/>
           </a:bodyPr>
-          <a:lstStyle/>
-          <a:p>
-            <a:endParaRPr lang="pt-BR" sz="3200" b="0" strike="noStrike" spc="-1">
+          <a:p>
+            <a:endParaRPr b="0" lang="pt-BR" sz="2800" spc="-1" strike="noStrike">
+              <a:solidFill>
+                <a:srgbClr val="000000"/>
+              </a:solidFill>
               <a:latin typeface="Arial"/>
             </a:endParaRPr>
           </a:p>
@@ -236,12 +141,14 @@
           </a:prstGeom>
         </p:spPr>
         <p:txBody>
-          <a:bodyPr lIns="0" tIns="0" rIns="0" bIns="0">
+          <a:bodyPr lIns="0" rIns="0" tIns="0" bIns="0">
             <a:normAutofit/>
           </a:bodyPr>
-          <a:lstStyle/>
-          <a:p>
-            <a:endParaRPr lang="pt-BR" sz="3200" b="0" strike="noStrike" spc="-1">
+          <a:p>
+            <a:endParaRPr b="0" lang="pt-BR" sz="2800" spc="-1" strike="noStrike">
+              <a:solidFill>
+                <a:srgbClr val="000000"/>
+              </a:solidFill>
               <a:latin typeface="Arial"/>
             </a:endParaRPr>
           </a:p>
@@ -249,14 +156,11 @@
       </p:sp>
     </p:spTree>
   </p:cSld>
-  <p:clrMapOvr>
-    <a:masterClrMapping/>
-  </p:clrMapOvr>
 </p:sldLayout>
 </file>
 
 <file path=ppt/slideLayouts/slideLayout11.xml><?xml version="1.0" encoding="utf-8"?>
-<p:sldLayout xmlns:a="http://schemas.openxmlformats.org/drawingml/2006/main" xmlns:r="http://schemas.openxmlformats.org/officeDocument/2006/relationships" xmlns:p="http://schemas.openxmlformats.org/presentationml/2006/main" type="fourObj" preserve="1">
+<p:sldLayout xmlns:a="http://schemas.openxmlformats.org/drawingml/2006/main" xmlns:p="http://schemas.openxmlformats.org/presentationml/2006/main" xmlns:r="http://schemas.openxmlformats.org/officeDocument/2006/relationships" xmlns:p14="http://schemas.microsoft.com/office/powerpoint/2010/main" xmlns:p15="http://schemas.microsoft.com/office/powerpoint/2012/main" xmlns:mc="http://schemas.openxmlformats.org/markup-compatibility/2006" type="fourObj" preserve="1">
   <p:cSld name="Title, 4 Content">
     <p:spTree>
       <p:nvGrpSpPr>
@@ -292,11 +196,12 @@
           </a:prstGeom>
         </p:spPr>
         <p:txBody>
-          <a:bodyPr lIns="0" tIns="0" rIns="0" bIns="0" anchor="ctr"/>
-          <a:lstStyle/>
-          <a:p>
-            <a:pPr algn="ctr"/>
-            <a:endParaRPr lang="pt-BR" sz="4400" b="0" strike="noStrike" spc="-1">
+          <a:bodyPr lIns="0" rIns="0" tIns="0" bIns="0" anchor="ctr"/>
+          <a:p>
+            <a:endParaRPr b="0" lang="pt-BR" sz="1800" spc="-1" strike="noStrike">
+              <a:solidFill>
+                <a:srgbClr val="000000"/>
+              </a:solidFill>
               <a:latin typeface="Arial"/>
             </a:endParaRPr>
           </a:p>
@@ -322,12 +227,14 @@
           </a:prstGeom>
         </p:spPr>
         <p:txBody>
-          <a:bodyPr lIns="0" tIns="0" rIns="0" bIns="0">
+          <a:bodyPr lIns="0" rIns="0" tIns="0" bIns="0">
             <a:normAutofit/>
           </a:bodyPr>
-          <a:lstStyle/>
-          <a:p>
-            <a:endParaRPr lang="pt-BR" sz="3200" b="0" strike="noStrike" spc="-1">
+          <a:p>
+            <a:endParaRPr b="0" lang="pt-BR" sz="2800" spc="-1" strike="noStrike">
+              <a:solidFill>
+                <a:srgbClr val="000000"/>
+              </a:solidFill>
               <a:latin typeface="Arial"/>
             </a:endParaRPr>
           </a:p>
@@ -353,12 +260,14 @@
           </a:prstGeom>
         </p:spPr>
         <p:txBody>
-          <a:bodyPr lIns="0" tIns="0" rIns="0" bIns="0">
+          <a:bodyPr lIns="0" rIns="0" tIns="0" bIns="0">
             <a:normAutofit/>
           </a:bodyPr>
-          <a:lstStyle/>
-          <a:p>
-            <a:endParaRPr lang="pt-BR" sz="3200" b="0" strike="noStrike" spc="-1">
+          <a:p>
+            <a:endParaRPr b="0" lang="pt-BR" sz="2800" spc="-1" strike="noStrike">
+              <a:solidFill>
+                <a:srgbClr val="000000"/>
+              </a:solidFill>
               <a:latin typeface="Arial"/>
             </a:endParaRPr>
           </a:p>
@@ -384,12 +293,14 @@
           </a:prstGeom>
         </p:spPr>
         <p:txBody>
-          <a:bodyPr lIns="0" tIns="0" rIns="0" bIns="0">
+          <a:bodyPr lIns="0" rIns="0" tIns="0" bIns="0">
             <a:normAutofit/>
           </a:bodyPr>
-          <a:lstStyle/>
-          <a:p>
-            <a:endParaRPr lang="pt-BR" sz="3200" b="0" strike="noStrike" spc="-1">
+          <a:p>
+            <a:endParaRPr b="0" lang="pt-BR" sz="2800" spc="-1" strike="noStrike">
+              <a:solidFill>
+                <a:srgbClr val="000000"/>
+              </a:solidFill>
               <a:latin typeface="Arial"/>
             </a:endParaRPr>
           </a:p>
@@ -415,12 +326,14 @@
           </a:prstGeom>
         </p:spPr>
         <p:txBody>
-          <a:bodyPr lIns="0" tIns="0" rIns="0" bIns="0">
+          <a:bodyPr lIns="0" rIns="0" tIns="0" bIns="0">
             <a:normAutofit/>
           </a:bodyPr>
-          <a:lstStyle/>
-          <a:p>
-            <a:endParaRPr lang="pt-BR" sz="3200" b="0" strike="noStrike" spc="-1">
+          <a:p>
+            <a:endParaRPr b="0" lang="pt-BR" sz="2800" spc="-1" strike="noStrike">
+              <a:solidFill>
+                <a:srgbClr val="000000"/>
+              </a:solidFill>
               <a:latin typeface="Arial"/>
             </a:endParaRPr>
           </a:p>
@@ -428,14 +341,11 @@
       </p:sp>
     </p:spTree>
   </p:cSld>
-  <p:clrMapOvr>
-    <a:masterClrMapping/>
-  </p:clrMapOvr>
 </p:sldLayout>
 </file>
 
 <file path=ppt/slideLayouts/slideLayout12.xml><?xml version="1.0" encoding="utf-8"?>
-<p:sldLayout xmlns:a="http://schemas.openxmlformats.org/drawingml/2006/main" xmlns:r="http://schemas.openxmlformats.org/officeDocument/2006/relationships" xmlns:p="http://schemas.openxmlformats.org/presentationml/2006/main" type="blank" preserve="1">
+<p:sldLayout xmlns:a="http://schemas.openxmlformats.org/drawingml/2006/main" xmlns:p="http://schemas.openxmlformats.org/presentationml/2006/main" xmlns:r="http://schemas.openxmlformats.org/officeDocument/2006/relationships" xmlns:p14="http://schemas.microsoft.com/office/powerpoint/2010/main" xmlns:p15="http://schemas.microsoft.com/office/powerpoint/2012/main" xmlns:mc="http://schemas.openxmlformats.org/markup-compatibility/2006" type="blank" preserve="1">
   <p:cSld name="Title, 6 Content">
     <p:spTree>
       <p:nvGrpSpPr>
@@ -471,11 +381,12 @@
           </a:prstGeom>
         </p:spPr>
         <p:txBody>
-          <a:bodyPr lIns="0" tIns="0" rIns="0" bIns="0" anchor="ctr"/>
-          <a:lstStyle/>
-          <a:p>
-            <a:pPr algn="ctr"/>
-            <a:endParaRPr lang="pt-BR" sz="4400" b="0" strike="noStrike" spc="-1">
+          <a:bodyPr lIns="0" rIns="0" tIns="0" bIns="0" anchor="ctr"/>
+          <a:p>
+            <a:endParaRPr b="0" lang="pt-BR" sz="1800" spc="-1" strike="noStrike">
+              <a:solidFill>
+                <a:srgbClr val="000000"/>
+              </a:solidFill>
               <a:latin typeface="Arial"/>
             </a:endParaRPr>
           </a:p>
@@ -501,12 +412,14 @@
           </a:prstGeom>
         </p:spPr>
         <p:txBody>
-          <a:bodyPr lIns="0" tIns="0" rIns="0" bIns="0">
+          <a:bodyPr lIns="0" rIns="0" tIns="0" bIns="0">
             <a:normAutofit/>
           </a:bodyPr>
-          <a:lstStyle/>
-          <a:p>
-            <a:endParaRPr lang="pt-BR" sz="3200" b="0" strike="noStrike" spc="-1">
+          <a:p>
+            <a:endParaRPr b="0" lang="pt-BR" sz="2800" spc="-1" strike="noStrike">
+              <a:solidFill>
+                <a:srgbClr val="000000"/>
+              </a:solidFill>
               <a:latin typeface="Arial"/>
             </a:endParaRPr>
           </a:p>
@@ -532,12 +445,14 @@
           </a:prstGeom>
         </p:spPr>
         <p:txBody>
-          <a:bodyPr lIns="0" tIns="0" rIns="0" bIns="0">
+          <a:bodyPr lIns="0" rIns="0" tIns="0" bIns="0">
             <a:normAutofit/>
           </a:bodyPr>
-          <a:lstStyle/>
-          <a:p>
-            <a:endParaRPr lang="pt-BR" sz="3200" b="0" strike="noStrike" spc="-1">
+          <a:p>
+            <a:endParaRPr b="0" lang="pt-BR" sz="2800" spc="-1" strike="noStrike">
+              <a:solidFill>
+                <a:srgbClr val="000000"/>
+              </a:solidFill>
               <a:latin typeface="Arial"/>
             </a:endParaRPr>
           </a:p>
@@ -563,12 +478,14 @@
           </a:prstGeom>
         </p:spPr>
         <p:txBody>
-          <a:bodyPr lIns="0" tIns="0" rIns="0" bIns="0">
+          <a:bodyPr lIns="0" rIns="0" tIns="0" bIns="0">
             <a:normAutofit/>
           </a:bodyPr>
-          <a:lstStyle/>
-          <a:p>
-            <a:endParaRPr lang="pt-BR" sz="3200" b="0" strike="noStrike" spc="-1">
+          <a:p>
+            <a:endParaRPr b="0" lang="pt-BR" sz="2800" spc="-1" strike="noStrike">
+              <a:solidFill>
+                <a:srgbClr val="000000"/>
+              </a:solidFill>
               <a:latin typeface="Arial"/>
             </a:endParaRPr>
           </a:p>
@@ -594,12 +511,14 @@
           </a:prstGeom>
         </p:spPr>
         <p:txBody>
-          <a:bodyPr lIns="0" tIns="0" rIns="0" bIns="0">
+          <a:bodyPr lIns="0" rIns="0" tIns="0" bIns="0">
             <a:normAutofit/>
           </a:bodyPr>
-          <a:lstStyle/>
-          <a:p>
-            <a:endParaRPr lang="pt-BR" sz="3200" b="0" strike="noStrike" spc="-1">
+          <a:p>
+            <a:endParaRPr b="0" lang="pt-BR" sz="2800" spc="-1" strike="noStrike">
+              <a:solidFill>
+                <a:srgbClr val="000000"/>
+              </a:solidFill>
               <a:latin typeface="Arial"/>
             </a:endParaRPr>
           </a:p>
@@ -625,12 +544,14 @@
           </a:prstGeom>
         </p:spPr>
         <p:txBody>
-          <a:bodyPr lIns="0" tIns="0" rIns="0" bIns="0">
+          <a:bodyPr lIns="0" rIns="0" tIns="0" bIns="0">
             <a:normAutofit/>
           </a:bodyPr>
-          <a:lstStyle/>
-          <a:p>
-            <a:endParaRPr lang="pt-BR" sz="3200" b="0" strike="noStrike" spc="-1">
+          <a:p>
+            <a:endParaRPr b="0" lang="pt-BR" sz="2800" spc="-1" strike="noStrike">
+              <a:solidFill>
+                <a:srgbClr val="000000"/>
+              </a:solidFill>
               <a:latin typeface="Arial"/>
             </a:endParaRPr>
           </a:p>
@@ -656,12 +577,14 @@
           </a:prstGeom>
         </p:spPr>
         <p:txBody>
-          <a:bodyPr lIns="0" tIns="0" rIns="0" bIns="0">
+          <a:bodyPr lIns="0" rIns="0" tIns="0" bIns="0">
             <a:normAutofit/>
           </a:bodyPr>
-          <a:lstStyle/>
-          <a:p>
-            <a:endParaRPr lang="pt-BR" sz="3200" b="0" strike="noStrike" spc="-1">
+          <a:p>
+            <a:endParaRPr b="0" lang="pt-BR" sz="2800" spc="-1" strike="noStrike">
+              <a:solidFill>
+                <a:srgbClr val="000000"/>
+              </a:solidFill>
               <a:latin typeface="Arial"/>
             </a:endParaRPr>
           </a:p>
@@ -669,14 +592,11 @@
       </p:sp>
     </p:spTree>
   </p:cSld>
-  <p:clrMapOvr>
-    <a:masterClrMapping/>
-  </p:clrMapOvr>
 </p:sldLayout>
 </file>
 
 <file path=ppt/slideLayouts/slideLayout2.xml><?xml version="1.0" encoding="utf-8"?>
-<p:sldLayout xmlns:a="http://schemas.openxmlformats.org/drawingml/2006/main" xmlns:r="http://schemas.openxmlformats.org/officeDocument/2006/relationships" xmlns:p="http://schemas.openxmlformats.org/presentationml/2006/main" type="tx" preserve="1">
+<p:sldLayout xmlns:a="http://schemas.openxmlformats.org/drawingml/2006/main" xmlns:p="http://schemas.openxmlformats.org/presentationml/2006/main" xmlns:r="http://schemas.openxmlformats.org/officeDocument/2006/relationships" xmlns:p14="http://schemas.microsoft.com/office/powerpoint/2010/main" xmlns:p15="http://schemas.microsoft.com/office/powerpoint/2012/main" xmlns:mc="http://schemas.openxmlformats.org/markup-compatibility/2006" type="tx" preserve="1">
   <p:cSld name="Title Slide">
     <p:spTree>
       <p:nvGrpSpPr>
@@ -712,11 +632,12 @@
           </a:prstGeom>
         </p:spPr>
         <p:txBody>
-          <a:bodyPr lIns="0" tIns="0" rIns="0" bIns="0" anchor="ctr"/>
-          <a:lstStyle/>
-          <a:p>
-            <a:pPr algn="ctr"/>
-            <a:endParaRPr lang="pt-BR" sz="4400" b="0" strike="noStrike" spc="-1">
+          <a:bodyPr lIns="0" rIns="0" tIns="0" bIns="0" anchor="ctr"/>
+          <a:p>
+            <a:endParaRPr b="0" lang="pt-BR" sz="1800" spc="-1" strike="noStrike">
+              <a:solidFill>
+                <a:srgbClr val="000000"/>
+              </a:solidFill>
               <a:latin typeface="Arial"/>
             </a:endParaRPr>
           </a:p>
@@ -742,11 +663,10 @@
           </a:prstGeom>
         </p:spPr>
         <p:txBody>
-          <a:bodyPr lIns="0" tIns="0" rIns="0" bIns="0" anchor="ctr"/>
-          <a:lstStyle/>
+          <a:bodyPr lIns="0" rIns="0" tIns="0" bIns="0" anchor="ctr"/>
           <a:p>
             <a:pPr algn="ctr"/>
-            <a:endParaRPr lang="pt-BR" sz="3200" b="0" strike="noStrike" spc="-1">
+            <a:endParaRPr b="0" lang="pt-BR" sz="3200" spc="-1" strike="noStrike">
               <a:latin typeface="Arial"/>
             </a:endParaRPr>
           </a:p>
@@ -754,14 +674,11 @@
       </p:sp>
     </p:spTree>
   </p:cSld>
-  <p:clrMapOvr>
-    <a:masterClrMapping/>
-  </p:clrMapOvr>
 </p:sldLayout>
 </file>
 
 <file path=ppt/slideLayouts/slideLayout3.xml><?xml version="1.0" encoding="utf-8"?>
-<p:sldLayout xmlns:a="http://schemas.openxmlformats.org/drawingml/2006/main" xmlns:r="http://schemas.openxmlformats.org/officeDocument/2006/relationships" xmlns:p="http://schemas.openxmlformats.org/presentationml/2006/main" type="obj" preserve="1">
+<p:sldLayout xmlns:a="http://schemas.openxmlformats.org/drawingml/2006/main" xmlns:p="http://schemas.openxmlformats.org/presentationml/2006/main" xmlns:r="http://schemas.openxmlformats.org/officeDocument/2006/relationships" xmlns:p14="http://schemas.microsoft.com/office/powerpoint/2010/main" xmlns:p15="http://schemas.microsoft.com/office/powerpoint/2012/main" xmlns:mc="http://schemas.openxmlformats.org/markup-compatibility/2006" type="obj" preserve="1">
   <p:cSld name="Title, Content">
     <p:spTree>
       <p:nvGrpSpPr>
@@ -797,11 +714,12 @@
           </a:prstGeom>
         </p:spPr>
         <p:txBody>
-          <a:bodyPr lIns="0" tIns="0" rIns="0" bIns="0" anchor="ctr"/>
-          <a:lstStyle/>
-          <a:p>
-            <a:pPr algn="ctr"/>
-            <a:endParaRPr lang="pt-BR" sz="4400" b="0" strike="noStrike" spc="-1">
+          <a:bodyPr lIns="0" rIns="0" tIns="0" bIns="0" anchor="ctr"/>
+          <a:p>
+            <a:endParaRPr b="0" lang="pt-BR" sz="1800" spc="-1" strike="noStrike">
+              <a:solidFill>
+                <a:srgbClr val="000000"/>
+              </a:solidFill>
               <a:latin typeface="Arial"/>
             </a:endParaRPr>
           </a:p>
@@ -827,12 +745,14 @@
           </a:prstGeom>
         </p:spPr>
         <p:txBody>
-          <a:bodyPr lIns="0" tIns="0" rIns="0" bIns="0">
+          <a:bodyPr lIns="0" rIns="0" tIns="0" bIns="0">
             <a:normAutofit/>
           </a:bodyPr>
-          <a:lstStyle/>
-          <a:p>
-            <a:endParaRPr lang="pt-BR" sz="3200" b="0" strike="noStrike" spc="-1">
+          <a:p>
+            <a:endParaRPr b="0" lang="pt-BR" sz="2800" spc="-1" strike="noStrike">
+              <a:solidFill>
+                <a:srgbClr val="000000"/>
+              </a:solidFill>
               <a:latin typeface="Arial"/>
             </a:endParaRPr>
           </a:p>
@@ -840,14 +760,11 @@
       </p:sp>
     </p:spTree>
   </p:cSld>
-  <p:clrMapOvr>
-    <a:masterClrMapping/>
-  </p:clrMapOvr>
 </p:sldLayout>
 </file>
 
 <file path=ppt/slideLayouts/slideLayout4.xml><?xml version="1.0" encoding="utf-8"?>
-<p:sldLayout xmlns:a="http://schemas.openxmlformats.org/drawingml/2006/main" xmlns:r="http://schemas.openxmlformats.org/officeDocument/2006/relationships" xmlns:p="http://schemas.openxmlformats.org/presentationml/2006/main" type="twoObj" preserve="1">
+<p:sldLayout xmlns:a="http://schemas.openxmlformats.org/drawingml/2006/main" xmlns:p="http://schemas.openxmlformats.org/presentationml/2006/main" xmlns:r="http://schemas.openxmlformats.org/officeDocument/2006/relationships" xmlns:p14="http://schemas.microsoft.com/office/powerpoint/2010/main" xmlns:p15="http://schemas.microsoft.com/office/powerpoint/2012/main" xmlns:mc="http://schemas.openxmlformats.org/markup-compatibility/2006" type="twoObj" preserve="1">
   <p:cSld name="Title, 2 Content">
     <p:spTree>
       <p:nvGrpSpPr>
@@ -883,11 +800,12 @@
           </a:prstGeom>
         </p:spPr>
         <p:txBody>
-          <a:bodyPr lIns="0" tIns="0" rIns="0" bIns="0" anchor="ctr"/>
-          <a:lstStyle/>
-          <a:p>
-            <a:pPr algn="ctr"/>
-            <a:endParaRPr lang="pt-BR" sz="4400" b="0" strike="noStrike" spc="-1">
+          <a:bodyPr lIns="0" rIns="0" tIns="0" bIns="0" anchor="ctr"/>
+          <a:p>
+            <a:endParaRPr b="0" lang="pt-BR" sz="1800" spc="-1" strike="noStrike">
+              <a:solidFill>
+                <a:srgbClr val="000000"/>
+              </a:solidFill>
               <a:latin typeface="Arial"/>
             </a:endParaRPr>
           </a:p>
@@ -913,12 +831,14 @@
           </a:prstGeom>
         </p:spPr>
         <p:txBody>
-          <a:bodyPr lIns="0" tIns="0" rIns="0" bIns="0">
+          <a:bodyPr lIns="0" rIns="0" tIns="0" bIns="0">
             <a:normAutofit/>
           </a:bodyPr>
-          <a:lstStyle/>
-          <a:p>
-            <a:endParaRPr lang="pt-BR" sz="3200" b="0" strike="noStrike" spc="-1">
+          <a:p>
+            <a:endParaRPr b="0" lang="pt-BR" sz="2800" spc="-1" strike="noStrike">
+              <a:solidFill>
+                <a:srgbClr val="000000"/>
+              </a:solidFill>
               <a:latin typeface="Arial"/>
             </a:endParaRPr>
           </a:p>
@@ -944,12 +864,14 @@
           </a:prstGeom>
         </p:spPr>
         <p:txBody>
-          <a:bodyPr lIns="0" tIns="0" rIns="0" bIns="0">
+          <a:bodyPr lIns="0" rIns="0" tIns="0" bIns="0">
             <a:normAutofit/>
           </a:bodyPr>
-          <a:lstStyle/>
-          <a:p>
-            <a:endParaRPr lang="pt-BR" sz="3200" b="0" strike="noStrike" spc="-1">
+          <a:p>
+            <a:endParaRPr b="0" lang="pt-BR" sz="2800" spc="-1" strike="noStrike">
+              <a:solidFill>
+                <a:srgbClr val="000000"/>
+              </a:solidFill>
               <a:latin typeface="Arial"/>
             </a:endParaRPr>
           </a:p>
@@ -957,14 +879,11 @@
       </p:sp>
     </p:spTree>
   </p:cSld>
-  <p:clrMapOvr>
-    <a:masterClrMapping/>
-  </p:clrMapOvr>
 </p:sldLayout>
 </file>
 
 <file path=ppt/slideLayouts/slideLayout5.xml><?xml version="1.0" encoding="utf-8"?>
-<p:sldLayout xmlns:a="http://schemas.openxmlformats.org/drawingml/2006/main" xmlns:r="http://schemas.openxmlformats.org/officeDocument/2006/relationships" xmlns:p="http://schemas.openxmlformats.org/presentationml/2006/main" type="titleOnly" preserve="1">
+<p:sldLayout xmlns:a="http://schemas.openxmlformats.org/drawingml/2006/main" xmlns:p="http://schemas.openxmlformats.org/presentationml/2006/main" xmlns:r="http://schemas.openxmlformats.org/officeDocument/2006/relationships" xmlns:p14="http://schemas.microsoft.com/office/powerpoint/2010/main" xmlns:p15="http://schemas.microsoft.com/office/powerpoint/2012/main" xmlns:mc="http://schemas.openxmlformats.org/markup-compatibility/2006" type="titleOnly" preserve="1">
   <p:cSld name="Title Only">
     <p:spTree>
       <p:nvGrpSpPr>
@@ -1000,11 +919,12 @@
           </a:prstGeom>
         </p:spPr>
         <p:txBody>
-          <a:bodyPr lIns="0" tIns="0" rIns="0" bIns="0" anchor="ctr"/>
-          <a:lstStyle/>
-          <a:p>
-            <a:pPr algn="ctr"/>
-            <a:endParaRPr lang="pt-BR" sz="4400" b="0" strike="noStrike" spc="-1">
+          <a:bodyPr lIns="0" rIns="0" tIns="0" bIns="0" anchor="ctr"/>
+          <a:p>
+            <a:endParaRPr b="0" lang="pt-BR" sz="1800" spc="-1" strike="noStrike">
+              <a:solidFill>
+                <a:srgbClr val="000000"/>
+              </a:solidFill>
               <a:latin typeface="Arial"/>
             </a:endParaRPr>
           </a:p>
@@ -1012,14 +932,11 @@
       </p:sp>
     </p:spTree>
   </p:cSld>
-  <p:clrMapOvr>
-    <a:masterClrMapping/>
-  </p:clrMapOvr>
 </p:sldLayout>
 </file>
 
 <file path=ppt/slideLayouts/slideLayout6.xml><?xml version="1.0" encoding="utf-8"?>
-<p:sldLayout xmlns:a="http://schemas.openxmlformats.org/drawingml/2006/main" xmlns:r="http://schemas.openxmlformats.org/officeDocument/2006/relationships" xmlns:p="http://schemas.openxmlformats.org/presentationml/2006/main" type="objOnly" preserve="1">
+<p:sldLayout xmlns:a="http://schemas.openxmlformats.org/drawingml/2006/main" xmlns:p="http://schemas.openxmlformats.org/presentationml/2006/main" xmlns:r="http://schemas.openxmlformats.org/officeDocument/2006/relationships" xmlns:p14="http://schemas.microsoft.com/office/powerpoint/2010/main" xmlns:p15="http://schemas.microsoft.com/office/powerpoint/2012/main" xmlns:mc="http://schemas.openxmlformats.org/markup-compatibility/2006" type="objOnly" preserve="1">
   <p:cSld name="Centered Text">
     <p:spTree>
       <p:nvGrpSpPr>
@@ -1055,11 +972,10 @@
           </a:prstGeom>
         </p:spPr>
         <p:txBody>
-          <a:bodyPr lIns="0" tIns="0" rIns="0" bIns="0" anchor="ctr"/>
-          <a:lstStyle/>
+          <a:bodyPr lIns="0" rIns="0" tIns="0" bIns="0" anchor="ctr"/>
           <a:p>
             <a:pPr algn="ctr"/>
-            <a:endParaRPr lang="pt-BR" sz="3200" b="0" strike="noStrike" spc="-1">
+            <a:endParaRPr b="0" lang="pt-BR" sz="3200" spc="-1" strike="noStrike">
               <a:latin typeface="Arial"/>
             </a:endParaRPr>
           </a:p>
@@ -1067,14 +983,11 @@
       </p:sp>
     </p:spTree>
   </p:cSld>
-  <p:clrMapOvr>
-    <a:masterClrMapping/>
-  </p:clrMapOvr>
 </p:sldLayout>
 </file>
 
 <file path=ppt/slideLayouts/slideLayout7.xml><?xml version="1.0" encoding="utf-8"?>
-<p:sldLayout xmlns:a="http://schemas.openxmlformats.org/drawingml/2006/main" xmlns:r="http://schemas.openxmlformats.org/officeDocument/2006/relationships" xmlns:p="http://schemas.openxmlformats.org/presentationml/2006/main" type="twoObjAndObj" preserve="1">
+<p:sldLayout xmlns:a="http://schemas.openxmlformats.org/drawingml/2006/main" xmlns:p="http://schemas.openxmlformats.org/presentationml/2006/main" xmlns:r="http://schemas.openxmlformats.org/officeDocument/2006/relationships" xmlns:p14="http://schemas.microsoft.com/office/powerpoint/2010/main" xmlns:p15="http://schemas.microsoft.com/office/powerpoint/2012/main" xmlns:mc="http://schemas.openxmlformats.org/markup-compatibility/2006" type="twoObjAndObj" preserve="1">
   <p:cSld name="Title, 2 Content and Content">
     <p:spTree>
       <p:nvGrpSpPr>
@@ -1110,11 +1023,12 @@
           </a:prstGeom>
         </p:spPr>
         <p:txBody>
-          <a:bodyPr lIns="0" tIns="0" rIns="0" bIns="0" anchor="ctr"/>
-          <a:lstStyle/>
-          <a:p>
-            <a:pPr algn="ctr"/>
-            <a:endParaRPr lang="pt-BR" sz="4400" b="0" strike="noStrike" spc="-1">
+          <a:bodyPr lIns="0" rIns="0" tIns="0" bIns="0" anchor="ctr"/>
+          <a:p>
+            <a:endParaRPr b="0" lang="pt-BR" sz="1800" spc="-1" strike="noStrike">
+              <a:solidFill>
+                <a:srgbClr val="000000"/>
+              </a:solidFill>
               <a:latin typeface="Arial"/>
             </a:endParaRPr>
           </a:p>
@@ -1140,12 +1054,14 @@
           </a:prstGeom>
         </p:spPr>
         <p:txBody>
-          <a:bodyPr lIns="0" tIns="0" rIns="0" bIns="0">
+          <a:bodyPr lIns="0" rIns="0" tIns="0" bIns="0">
             <a:normAutofit/>
           </a:bodyPr>
-          <a:lstStyle/>
-          <a:p>
-            <a:endParaRPr lang="pt-BR" sz="3200" b="0" strike="noStrike" spc="-1">
+          <a:p>
+            <a:endParaRPr b="0" lang="pt-BR" sz="2800" spc="-1" strike="noStrike">
+              <a:solidFill>
+                <a:srgbClr val="000000"/>
+              </a:solidFill>
               <a:latin typeface="Arial"/>
             </a:endParaRPr>
           </a:p>
@@ -1171,12 +1087,14 @@
           </a:prstGeom>
         </p:spPr>
         <p:txBody>
-          <a:bodyPr lIns="0" tIns="0" rIns="0" bIns="0">
+          <a:bodyPr lIns="0" rIns="0" tIns="0" bIns="0">
             <a:normAutofit/>
           </a:bodyPr>
-          <a:lstStyle/>
-          <a:p>
-            <a:endParaRPr lang="pt-BR" sz="3200" b="0" strike="noStrike" spc="-1">
+          <a:p>
+            <a:endParaRPr b="0" lang="pt-BR" sz="2800" spc="-1" strike="noStrike">
+              <a:solidFill>
+                <a:srgbClr val="000000"/>
+              </a:solidFill>
               <a:latin typeface="Arial"/>
             </a:endParaRPr>
           </a:p>
@@ -1202,12 +1120,14 @@
           </a:prstGeom>
         </p:spPr>
         <p:txBody>
-          <a:bodyPr lIns="0" tIns="0" rIns="0" bIns="0">
+          <a:bodyPr lIns="0" rIns="0" tIns="0" bIns="0">
             <a:normAutofit/>
           </a:bodyPr>
-          <a:lstStyle/>
-          <a:p>
-            <a:endParaRPr lang="pt-BR" sz="3200" b="0" strike="noStrike" spc="-1">
+          <a:p>
+            <a:endParaRPr b="0" lang="pt-BR" sz="2800" spc="-1" strike="noStrike">
+              <a:solidFill>
+                <a:srgbClr val="000000"/>
+              </a:solidFill>
               <a:latin typeface="Arial"/>
             </a:endParaRPr>
           </a:p>
@@ -1215,14 +1135,11 @@
       </p:sp>
     </p:spTree>
   </p:cSld>
-  <p:clrMapOvr>
-    <a:masterClrMapping/>
-  </p:clrMapOvr>
 </p:sldLayout>
 </file>
 
 <file path=ppt/slideLayouts/slideLayout8.xml><?xml version="1.0" encoding="utf-8"?>
-<p:sldLayout xmlns:a="http://schemas.openxmlformats.org/drawingml/2006/main" xmlns:r="http://schemas.openxmlformats.org/officeDocument/2006/relationships" xmlns:p="http://schemas.openxmlformats.org/presentationml/2006/main" type="objAndTwoObj" preserve="1">
+<p:sldLayout xmlns:a="http://schemas.openxmlformats.org/drawingml/2006/main" xmlns:p="http://schemas.openxmlformats.org/presentationml/2006/main" xmlns:r="http://schemas.openxmlformats.org/officeDocument/2006/relationships" xmlns:p14="http://schemas.microsoft.com/office/powerpoint/2010/main" xmlns:p15="http://schemas.microsoft.com/office/powerpoint/2012/main" xmlns:mc="http://schemas.openxmlformats.org/markup-compatibility/2006" type="objAndTwoObj" preserve="1">
   <p:cSld name="Title Content and 2 Content">
     <p:spTree>
       <p:nvGrpSpPr>
@@ -1258,11 +1175,12 @@
           </a:prstGeom>
         </p:spPr>
         <p:txBody>
-          <a:bodyPr lIns="0" tIns="0" rIns="0" bIns="0" anchor="ctr"/>
-          <a:lstStyle/>
-          <a:p>
-            <a:pPr algn="ctr"/>
-            <a:endParaRPr lang="pt-BR" sz="4400" b="0" strike="noStrike" spc="-1">
+          <a:bodyPr lIns="0" rIns="0" tIns="0" bIns="0" anchor="ctr"/>
+          <a:p>
+            <a:endParaRPr b="0" lang="pt-BR" sz="1800" spc="-1" strike="noStrike">
+              <a:solidFill>
+                <a:srgbClr val="000000"/>
+              </a:solidFill>
               <a:latin typeface="Arial"/>
             </a:endParaRPr>
           </a:p>
@@ -1288,12 +1206,14 @@
           </a:prstGeom>
         </p:spPr>
         <p:txBody>
-          <a:bodyPr lIns="0" tIns="0" rIns="0" bIns="0">
+          <a:bodyPr lIns="0" rIns="0" tIns="0" bIns="0">
             <a:normAutofit/>
           </a:bodyPr>
-          <a:lstStyle/>
-          <a:p>
-            <a:endParaRPr lang="pt-BR" sz="3200" b="0" strike="noStrike" spc="-1">
+          <a:p>
+            <a:endParaRPr b="0" lang="pt-BR" sz="2800" spc="-1" strike="noStrike">
+              <a:solidFill>
+                <a:srgbClr val="000000"/>
+              </a:solidFill>
               <a:latin typeface="Arial"/>
             </a:endParaRPr>
           </a:p>
@@ -1319,12 +1239,14 @@
           </a:prstGeom>
         </p:spPr>
         <p:txBody>
-          <a:bodyPr lIns="0" tIns="0" rIns="0" bIns="0">
+          <a:bodyPr lIns="0" rIns="0" tIns="0" bIns="0">
             <a:normAutofit/>
           </a:bodyPr>
-          <a:lstStyle/>
-          <a:p>
-            <a:endParaRPr lang="pt-BR" sz="3200" b="0" strike="noStrike" spc="-1">
+          <a:p>
+            <a:endParaRPr b="0" lang="pt-BR" sz="2800" spc="-1" strike="noStrike">
+              <a:solidFill>
+                <a:srgbClr val="000000"/>
+              </a:solidFill>
               <a:latin typeface="Arial"/>
             </a:endParaRPr>
           </a:p>
@@ -1350,12 +1272,14 @@
           </a:prstGeom>
         </p:spPr>
         <p:txBody>
-          <a:bodyPr lIns="0" tIns="0" rIns="0" bIns="0">
+          <a:bodyPr lIns="0" rIns="0" tIns="0" bIns="0">
             <a:normAutofit/>
           </a:bodyPr>
-          <a:lstStyle/>
-          <a:p>
-            <a:endParaRPr lang="pt-BR" sz="3200" b="0" strike="noStrike" spc="-1">
+          <a:p>
+            <a:endParaRPr b="0" lang="pt-BR" sz="2800" spc="-1" strike="noStrike">
+              <a:solidFill>
+                <a:srgbClr val="000000"/>
+              </a:solidFill>
               <a:latin typeface="Arial"/>
             </a:endParaRPr>
           </a:p>
@@ -1363,14 +1287,11 @@
       </p:sp>
     </p:spTree>
   </p:cSld>
-  <p:clrMapOvr>
-    <a:masterClrMapping/>
-  </p:clrMapOvr>
 </p:sldLayout>
 </file>
 
 <file path=ppt/slideLayouts/slideLayout9.xml><?xml version="1.0" encoding="utf-8"?>
-<p:sldLayout xmlns:a="http://schemas.openxmlformats.org/drawingml/2006/main" xmlns:r="http://schemas.openxmlformats.org/officeDocument/2006/relationships" xmlns:p="http://schemas.openxmlformats.org/presentationml/2006/main" type="twoObjOverTx" preserve="1">
+<p:sldLayout xmlns:a="http://schemas.openxmlformats.org/drawingml/2006/main" xmlns:p="http://schemas.openxmlformats.org/presentationml/2006/main" xmlns:r="http://schemas.openxmlformats.org/officeDocument/2006/relationships" xmlns:p14="http://schemas.microsoft.com/office/powerpoint/2010/main" xmlns:p15="http://schemas.microsoft.com/office/powerpoint/2012/main" xmlns:mc="http://schemas.openxmlformats.org/markup-compatibility/2006" type="twoObjOverTx" preserve="1">
   <p:cSld name="Title, 2 Content over Content">
     <p:spTree>
       <p:nvGrpSpPr>
@@ -1406,11 +1327,12 @@
           </a:prstGeom>
         </p:spPr>
         <p:txBody>
-          <a:bodyPr lIns="0" tIns="0" rIns="0" bIns="0" anchor="ctr"/>
-          <a:lstStyle/>
-          <a:p>
-            <a:pPr algn="ctr"/>
-            <a:endParaRPr lang="pt-BR" sz="4400" b="0" strike="noStrike" spc="-1">
+          <a:bodyPr lIns="0" rIns="0" tIns="0" bIns="0" anchor="ctr"/>
+          <a:p>
+            <a:endParaRPr b="0" lang="pt-BR" sz="1800" spc="-1" strike="noStrike">
+              <a:solidFill>
+                <a:srgbClr val="000000"/>
+              </a:solidFill>
               <a:latin typeface="Arial"/>
             </a:endParaRPr>
           </a:p>
@@ -1436,12 +1358,14 @@
           </a:prstGeom>
         </p:spPr>
         <p:txBody>
-          <a:bodyPr lIns="0" tIns="0" rIns="0" bIns="0">
+          <a:bodyPr lIns="0" rIns="0" tIns="0" bIns="0">
             <a:normAutofit/>
           </a:bodyPr>
-          <a:lstStyle/>
-          <a:p>
-            <a:endParaRPr lang="pt-BR" sz="3200" b="0" strike="noStrike" spc="-1">
+          <a:p>
+            <a:endParaRPr b="0" lang="pt-BR" sz="2800" spc="-1" strike="noStrike">
+              <a:solidFill>
+                <a:srgbClr val="000000"/>
+              </a:solidFill>
               <a:latin typeface="Arial"/>
             </a:endParaRPr>
           </a:p>
@@ -1467,12 +1391,14 @@
           </a:prstGeom>
         </p:spPr>
         <p:txBody>
-          <a:bodyPr lIns="0" tIns="0" rIns="0" bIns="0">
+          <a:bodyPr lIns="0" rIns="0" tIns="0" bIns="0">
             <a:normAutofit/>
           </a:bodyPr>
-          <a:lstStyle/>
-          <a:p>
-            <a:endParaRPr lang="pt-BR" sz="3200" b="0" strike="noStrike" spc="-1">
+          <a:p>
+            <a:endParaRPr b="0" lang="pt-BR" sz="2800" spc="-1" strike="noStrike">
+              <a:solidFill>
+                <a:srgbClr val="000000"/>
+              </a:solidFill>
               <a:latin typeface="Arial"/>
             </a:endParaRPr>
           </a:p>
@@ -1498,12 +1424,14 @@
           </a:prstGeom>
         </p:spPr>
         <p:txBody>
-          <a:bodyPr lIns="0" tIns="0" rIns="0" bIns="0">
+          <a:bodyPr lIns="0" rIns="0" tIns="0" bIns="0">
             <a:normAutofit/>
           </a:bodyPr>
-          <a:lstStyle/>
-          <a:p>
-            <a:endParaRPr lang="pt-BR" sz="3200" b="0" strike="noStrike" spc="-1">
+          <a:p>
+            <a:endParaRPr b="0" lang="pt-BR" sz="2800" spc="-1" strike="noStrike">
+              <a:solidFill>
+                <a:srgbClr val="000000"/>
+              </a:solidFill>
               <a:latin typeface="Arial"/>
             </a:endParaRPr>
           </a:p>
@@ -1511,21 +1439,17 @@
       </p:sp>
     </p:spTree>
   </p:cSld>
-  <p:clrMapOvr>
-    <a:masterClrMapping/>
-  </p:clrMapOvr>
 </p:sldLayout>
 </file>
 
 <file path=ppt/slideMasters/slideMaster1.xml><?xml version="1.0" encoding="utf-8"?>
-<p:sldMaster xmlns:a="http://schemas.openxmlformats.org/drawingml/2006/main" xmlns:r="http://schemas.openxmlformats.org/officeDocument/2006/relationships" xmlns:p="http://schemas.openxmlformats.org/presentationml/2006/main">
+<p:sldMaster xmlns:a="http://schemas.openxmlformats.org/drawingml/2006/main" xmlns:p="http://schemas.openxmlformats.org/presentationml/2006/main" xmlns:r="http://schemas.openxmlformats.org/officeDocument/2006/relationships" xmlns:p14="http://schemas.microsoft.com/office/powerpoint/2010/main" xmlns:p15="http://schemas.microsoft.com/office/powerpoint/2012/main" xmlns:mc="http://schemas.openxmlformats.org/markup-compatibility/2006">
   <p:cSld>
     <p:bg>
       <p:bgPr>
         <a:solidFill>
-          <a:srgbClr val="FFFFFF"/>
+          <a:srgbClr val="ffffff"/>
         </a:solidFill>
-        <a:effectLst/>
       </p:bgPr>
     </p:bg>
     <p:spTree>
@@ -1544,7 +1468,7 @@
       </p:grpSpPr>
       <p:sp>
         <p:nvSpPr>
-          <p:cNvPr id="2" name="PlaceHolder 1"/>
+          <p:cNvPr id="0" name="PlaceHolder 1"/>
           <p:cNvSpPr>
             <a:spLocks noGrp="1"/>
           </p:cNvSpPr>
@@ -1562,22 +1486,29 @@
           </a:prstGeom>
         </p:spPr>
         <p:txBody>
-          <a:bodyPr lIns="0" tIns="0" rIns="0" bIns="0" anchor="ctr"/>
-          <a:lstStyle/>
-          <a:p>
-            <a:pPr algn="ctr"/>
+          <a:bodyPr lIns="0" rIns="0" tIns="0" bIns="0" anchor="ctr"/>
+          <a:p>
             <a:r>
-              <a:rPr lang="pt-BR" sz="4400" b="0" strike="noStrike" spc="-1">
+              <a:rPr b="0" lang="pt-BR" sz="1800" spc="-1" strike="noStrike">
+                <a:solidFill>
+                  <a:srgbClr val="000000"/>
+                </a:solidFill>
                 <a:latin typeface="Arial"/>
               </a:rPr>
               <a:t>Clique para editar o formato do texto do título</a:t>
             </a:r>
-          </a:p>
-        </p:txBody>
-      </p:sp>
-      <p:sp>
-        <p:nvSpPr>
-          <p:cNvPr id="3" name="PlaceHolder 2"/>
+            <a:endParaRPr b="0" lang="pt-BR" sz="1800" spc="-1" strike="noStrike">
+              <a:solidFill>
+                <a:srgbClr val="000000"/>
+              </a:solidFill>
+              <a:latin typeface="Arial"/>
+            </a:endParaRPr>
+          </a:p>
+        </p:txBody>
+      </p:sp>
+      <p:sp>
+        <p:nvSpPr>
+          <p:cNvPr id="1" name="PlaceHolder 2"/>
           <p:cNvSpPr>
             <a:spLocks noGrp="1"/>
           </p:cNvSpPr>
@@ -1595,10 +1526,9 @@
           </a:prstGeom>
         </p:spPr>
         <p:txBody>
-          <a:bodyPr lIns="0" tIns="0" rIns="0" bIns="0">
+          <a:bodyPr lIns="0" rIns="0" tIns="0" bIns="0">
             <a:normAutofit/>
           </a:bodyPr>
-          <a:lstStyle/>
           <a:p>
             <a:pPr marL="432000" indent="-324000">
               <a:spcBef>
@@ -1612,14 +1542,23 @@
               <a:buChar char=""/>
             </a:pPr>
             <a:r>
-              <a:rPr lang="pt-BR" sz="3200" b="0" strike="noStrike" spc="-1">
+              <a:rPr b="0" lang="pt-BR" sz="2800" spc="-1" strike="noStrike">
+                <a:solidFill>
+                  <a:srgbClr val="000000"/>
+                </a:solidFill>
                 <a:latin typeface="Arial"/>
               </a:rPr>
               <a:t>Clique para editar o formato do texto da estrutura de tópicos</a:t>
             </a:r>
-          </a:p>
-          <a:p>
-            <a:pPr marL="864000" lvl="1" indent="-324000">
+            <a:endParaRPr b="0" lang="pt-BR" sz="2800" spc="-1" strike="noStrike">
+              <a:solidFill>
+                <a:srgbClr val="000000"/>
+              </a:solidFill>
+              <a:latin typeface="Arial"/>
+            </a:endParaRPr>
+          </a:p>
+          <a:p>
+            <a:pPr lvl="1" marL="864000" indent="-324000">
               <a:spcBef>
                 <a:spcPts val="1134"/>
               </a:spcBef>
@@ -1631,14 +1570,23 @@
               <a:buChar char=""/>
             </a:pPr>
             <a:r>
-              <a:rPr lang="pt-BR" sz="2800" b="0" strike="noStrike" spc="-1">
+              <a:rPr b="0" lang="pt-BR" sz="2000" spc="-1" strike="noStrike">
+                <a:solidFill>
+                  <a:srgbClr val="000000"/>
+                </a:solidFill>
                 <a:latin typeface="Arial"/>
               </a:rPr>
               <a:t>2.º nível da estrutura de tópicos</a:t>
             </a:r>
-          </a:p>
-          <a:p>
-            <a:pPr marL="1296000" lvl="2" indent="-288000">
+            <a:endParaRPr b="0" lang="pt-BR" sz="2000" spc="-1" strike="noStrike">
+              <a:solidFill>
+                <a:srgbClr val="000000"/>
+              </a:solidFill>
+              <a:latin typeface="Arial"/>
+            </a:endParaRPr>
+          </a:p>
+          <a:p>
+            <a:pPr lvl="2" marL="1296000" indent="-288000">
               <a:spcBef>
                 <a:spcPts val="850"/>
               </a:spcBef>
@@ -1650,14 +1598,23 @@
               <a:buChar char=""/>
             </a:pPr>
             <a:r>
-              <a:rPr lang="pt-BR" sz="2400" b="0" strike="noStrike" spc="-1">
+              <a:rPr b="0" lang="pt-BR" sz="1800" spc="-1" strike="noStrike">
+                <a:solidFill>
+                  <a:srgbClr val="000000"/>
+                </a:solidFill>
                 <a:latin typeface="Arial"/>
               </a:rPr>
               <a:t>3.º nível da estrutura de tópicos</a:t>
             </a:r>
-          </a:p>
-          <a:p>
-            <a:pPr marL="1728000" lvl="3" indent="-216000">
+            <a:endParaRPr b="0" lang="pt-BR" sz="1800" spc="-1" strike="noStrike">
+              <a:solidFill>
+                <a:srgbClr val="000000"/>
+              </a:solidFill>
+              <a:latin typeface="Arial"/>
+            </a:endParaRPr>
+          </a:p>
+          <a:p>
+            <a:pPr lvl="3" marL="1728000" indent="-216000">
               <a:spcBef>
                 <a:spcPts val="567"/>
               </a:spcBef>
@@ -1669,14 +1626,23 @@
               <a:buChar char=""/>
             </a:pPr>
             <a:r>
-              <a:rPr lang="pt-BR" sz="2000" b="0" strike="noStrike" spc="-1">
+              <a:rPr b="0" lang="pt-BR" sz="1800" spc="-1" strike="noStrike">
+                <a:solidFill>
+                  <a:srgbClr val="000000"/>
+                </a:solidFill>
                 <a:latin typeface="Arial"/>
               </a:rPr>
               <a:t>4.º nível da estrutura de tópicos</a:t>
             </a:r>
-          </a:p>
-          <a:p>
-            <a:pPr marL="2160000" lvl="4" indent="-216000">
+            <a:endParaRPr b="0" lang="pt-BR" sz="1800" spc="-1" strike="noStrike">
+              <a:solidFill>
+                <a:srgbClr val="000000"/>
+              </a:solidFill>
+              <a:latin typeface="Arial"/>
+            </a:endParaRPr>
+          </a:p>
+          <a:p>
+            <a:pPr lvl="4" marL="2160000" indent="-216000">
               <a:spcBef>
                 <a:spcPts val="283"/>
               </a:spcBef>
@@ -1688,14 +1654,23 @@
               <a:buChar char=""/>
             </a:pPr>
             <a:r>
-              <a:rPr lang="pt-BR" sz="2000" b="0" strike="noStrike" spc="-1">
+              <a:rPr b="0" lang="pt-BR" sz="2000" spc="-1" strike="noStrike">
+                <a:solidFill>
+                  <a:srgbClr val="000000"/>
+                </a:solidFill>
                 <a:latin typeface="Arial"/>
               </a:rPr>
               <a:t>5.º nível da estrutura de tópicos</a:t>
             </a:r>
-          </a:p>
-          <a:p>
-            <a:pPr marL="2592000" lvl="5" indent="-216000">
+            <a:endParaRPr b="0" lang="pt-BR" sz="2000" spc="-1" strike="noStrike">
+              <a:solidFill>
+                <a:srgbClr val="000000"/>
+              </a:solidFill>
+              <a:latin typeface="Arial"/>
+            </a:endParaRPr>
+          </a:p>
+          <a:p>
+            <a:pPr lvl="5" marL="2592000" indent="-216000">
               <a:spcBef>
                 <a:spcPts val="283"/>
               </a:spcBef>
@@ -1707,14 +1682,23 @@
               <a:buChar char=""/>
             </a:pPr>
             <a:r>
-              <a:rPr lang="pt-BR" sz="2000" b="0" strike="noStrike" spc="-1">
+              <a:rPr b="0" lang="pt-BR" sz="2000" spc="-1" strike="noStrike">
+                <a:solidFill>
+                  <a:srgbClr val="000000"/>
+                </a:solidFill>
                 <a:latin typeface="Arial"/>
               </a:rPr>
               <a:t>6.º nível da estrutura de tópicos</a:t>
             </a:r>
-          </a:p>
-          <a:p>
-            <a:pPr marL="3024000" lvl="6" indent="-216000">
+            <a:endParaRPr b="0" lang="pt-BR" sz="2000" spc="-1" strike="noStrike">
+              <a:solidFill>
+                <a:srgbClr val="000000"/>
+              </a:solidFill>
+              <a:latin typeface="Arial"/>
+            </a:endParaRPr>
+          </a:p>
+          <a:p>
+            <a:pPr lvl="6" marL="3024000" indent="-216000">
               <a:spcBef>
                 <a:spcPts val="283"/>
               </a:spcBef>
@@ -1726,323 +1710,51 @@
               <a:buChar char=""/>
             </a:pPr>
             <a:r>
-              <a:rPr lang="pt-BR" sz="2000" b="0" strike="noStrike" spc="-1">
+              <a:rPr b="0" lang="pt-BR" sz="2000" spc="-1" strike="noStrike">
+                <a:solidFill>
+                  <a:srgbClr val="000000"/>
+                </a:solidFill>
                 <a:latin typeface="Arial"/>
               </a:rPr>
               <a:t>7.º nível da estrutura de tópicos</a:t>
             </a:r>
+            <a:endParaRPr b="0" lang="pt-BR" sz="2000" spc="-1" strike="noStrike">
+              <a:solidFill>
+                <a:srgbClr val="000000"/>
+              </a:solidFill>
+              <a:latin typeface="Arial"/>
+            </a:endParaRPr>
           </a:p>
         </p:txBody>
       </p:sp>
     </p:spTree>
   </p:cSld>
-  <p:clrMap bg1="lt1" tx1="dk1" bg2="lt2" tx2="dk2" accent1="accent1" accent2="accent2" accent3="accent3" accent4="accent4" accent5="accent5" accent6="accent6" hlink="hlink" folHlink="folHlink"/>
+  <p:clrMap bg1="lt1" bg2="lt2" tx1="dk1" tx2="dk2" accent1="accent1" accent2="accent2" accent3="accent3" accent4="accent4" accent5="accent5" accent6="accent6" hlink="hlink" folHlink="folHlink"/>
   <p:sldLayoutIdLst>
-    <p:sldLayoutId id="2147483649" r:id="rId1"/>
-    <p:sldLayoutId id="2147483650" r:id="rId2"/>
-    <p:sldLayoutId id="2147483651" r:id="rId3"/>
-    <p:sldLayoutId id="2147483652" r:id="rId4"/>
-    <p:sldLayoutId id="2147483653" r:id="rId5"/>
-    <p:sldLayoutId id="2147483654" r:id="rId6"/>
-    <p:sldLayoutId id="2147483655" r:id="rId7"/>
-    <p:sldLayoutId id="2147483656" r:id="rId8"/>
-    <p:sldLayoutId id="2147483657" r:id="rId9"/>
-    <p:sldLayoutId id="2147483658" r:id="rId10"/>
-    <p:sldLayoutId id="2147483659" r:id="rId11"/>
-    <p:sldLayoutId id="2147483660" r:id="rId12"/>
+    <p:sldLayoutId id="2147483649" r:id="rId2"/>
+    <p:sldLayoutId id="2147483650" r:id="rId3"/>
+    <p:sldLayoutId id="2147483651" r:id="rId4"/>
+    <p:sldLayoutId id="2147483652" r:id="rId5"/>
+    <p:sldLayoutId id="2147483653" r:id="rId6"/>
+    <p:sldLayoutId id="2147483654" r:id="rId7"/>
+    <p:sldLayoutId id="2147483655" r:id="rId8"/>
+    <p:sldLayoutId id="2147483656" r:id="rId9"/>
+    <p:sldLayoutId id="2147483657" r:id="rId10"/>
+    <p:sldLayoutId id="2147483658" r:id="rId11"/>
+    <p:sldLayoutId id="2147483659" r:id="rId12"/>
+    <p:sldLayoutId id="2147483660" r:id="rId13"/>
   </p:sldLayoutIdLst>
-  <p:txStyles>
-    <p:titleStyle>
-      <a:lvl1pPr algn="l" defTabSz="914400" rtl="0" eaLnBrk="1" latinLnBrk="0" hangingPunct="1">
-        <a:lnSpc>
-          <a:spcPct val="90000"/>
-        </a:lnSpc>
-        <a:spcBef>
-          <a:spcPct val="0"/>
-        </a:spcBef>
-        <a:buNone/>
-        <a:defRPr sz="4400" kern="1200">
-          <a:solidFill>
-            <a:schemeClr val="tx1"/>
-          </a:solidFill>
-          <a:latin typeface="+mj-lt"/>
-          <a:ea typeface="+mj-ea"/>
-          <a:cs typeface="+mj-cs"/>
-        </a:defRPr>
-      </a:lvl1pPr>
-    </p:titleStyle>
-    <p:bodyStyle>
-      <a:lvl1pPr marL="228600" indent="-228600" algn="l" defTabSz="914400" rtl="0" eaLnBrk="1" latinLnBrk="0" hangingPunct="1">
-        <a:lnSpc>
-          <a:spcPct val="90000"/>
-        </a:lnSpc>
-        <a:spcBef>
-          <a:spcPts val="1000"/>
-        </a:spcBef>
-        <a:buFont typeface="Arial" panose="020B0604020202020204" pitchFamily="34" charset="0"/>
-        <a:buChar char="•"/>
-        <a:defRPr sz="2800" kern="1200">
-          <a:solidFill>
-            <a:schemeClr val="tx1"/>
-          </a:solidFill>
-          <a:latin typeface="+mn-lt"/>
-          <a:ea typeface="+mn-ea"/>
-          <a:cs typeface="+mn-cs"/>
-        </a:defRPr>
-      </a:lvl1pPr>
-      <a:lvl2pPr marL="685800" indent="-228600" algn="l" defTabSz="914400" rtl="0" eaLnBrk="1" latinLnBrk="0" hangingPunct="1">
-        <a:lnSpc>
-          <a:spcPct val="90000"/>
-        </a:lnSpc>
-        <a:spcBef>
-          <a:spcPts val="500"/>
-        </a:spcBef>
-        <a:buFont typeface="Arial" panose="020B0604020202020204" pitchFamily="34" charset="0"/>
-        <a:buChar char="•"/>
-        <a:defRPr sz="2400" kern="1200">
-          <a:solidFill>
-            <a:schemeClr val="tx1"/>
-          </a:solidFill>
-          <a:latin typeface="+mn-lt"/>
-          <a:ea typeface="+mn-ea"/>
-          <a:cs typeface="+mn-cs"/>
-        </a:defRPr>
-      </a:lvl2pPr>
-      <a:lvl3pPr marL="1143000" indent="-228600" algn="l" defTabSz="914400" rtl="0" eaLnBrk="1" latinLnBrk="0" hangingPunct="1">
-        <a:lnSpc>
-          <a:spcPct val="90000"/>
-        </a:lnSpc>
-        <a:spcBef>
-          <a:spcPts val="500"/>
-        </a:spcBef>
-        <a:buFont typeface="Arial" panose="020B0604020202020204" pitchFamily="34" charset="0"/>
-        <a:buChar char="•"/>
-        <a:defRPr sz="2000" kern="1200">
-          <a:solidFill>
-            <a:schemeClr val="tx1"/>
-          </a:solidFill>
-          <a:latin typeface="+mn-lt"/>
-          <a:ea typeface="+mn-ea"/>
-          <a:cs typeface="+mn-cs"/>
-        </a:defRPr>
-      </a:lvl3pPr>
-      <a:lvl4pPr marL="1600200" indent="-228600" algn="l" defTabSz="914400" rtl="0" eaLnBrk="1" latinLnBrk="0" hangingPunct="1">
-        <a:lnSpc>
-          <a:spcPct val="90000"/>
-        </a:lnSpc>
-        <a:spcBef>
-          <a:spcPts val="500"/>
-        </a:spcBef>
-        <a:buFont typeface="Arial" panose="020B0604020202020204" pitchFamily="34" charset="0"/>
-        <a:buChar char="•"/>
-        <a:defRPr sz="1800" kern="1200">
-          <a:solidFill>
-            <a:schemeClr val="tx1"/>
-          </a:solidFill>
-          <a:latin typeface="+mn-lt"/>
-          <a:ea typeface="+mn-ea"/>
-          <a:cs typeface="+mn-cs"/>
-        </a:defRPr>
-      </a:lvl4pPr>
-      <a:lvl5pPr marL="2057400" indent="-228600" algn="l" defTabSz="914400" rtl="0" eaLnBrk="1" latinLnBrk="0" hangingPunct="1">
-        <a:lnSpc>
-          <a:spcPct val="90000"/>
-        </a:lnSpc>
-        <a:spcBef>
-          <a:spcPts val="500"/>
-        </a:spcBef>
-        <a:buFont typeface="Arial" panose="020B0604020202020204" pitchFamily="34" charset="0"/>
-        <a:buChar char="•"/>
-        <a:defRPr sz="1800" kern="1200">
-          <a:solidFill>
-            <a:schemeClr val="tx1"/>
-          </a:solidFill>
-          <a:latin typeface="+mn-lt"/>
-          <a:ea typeface="+mn-ea"/>
-          <a:cs typeface="+mn-cs"/>
-        </a:defRPr>
-      </a:lvl5pPr>
-      <a:lvl6pPr marL="2514600" indent="-228600" algn="l" defTabSz="914400" rtl="0" eaLnBrk="1" latinLnBrk="0" hangingPunct="1">
-        <a:lnSpc>
-          <a:spcPct val="90000"/>
-        </a:lnSpc>
-        <a:spcBef>
-          <a:spcPts val="500"/>
-        </a:spcBef>
-        <a:buFont typeface="Arial" panose="020B0604020202020204" pitchFamily="34" charset="0"/>
-        <a:buChar char="•"/>
-        <a:defRPr sz="1800" kern="1200">
-          <a:solidFill>
-            <a:schemeClr val="tx1"/>
-          </a:solidFill>
-          <a:latin typeface="+mn-lt"/>
-          <a:ea typeface="+mn-ea"/>
-          <a:cs typeface="+mn-cs"/>
-        </a:defRPr>
-      </a:lvl6pPr>
-      <a:lvl7pPr marL="2971800" indent="-228600" algn="l" defTabSz="914400" rtl="0" eaLnBrk="1" latinLnBrk="0" hangingPunct="1">
-        <a:lnSpc>
-          <a:spcPct val="90000"/>
-        </a:lnSpc>
-        <a:spcBef>
-          <a:spcPts val="500"/>
-        </a:spcBef>
-        <a:buFont typeface="Arial" panose="020B0604020202020204" pitchFamily="34" charset="0"/>
-        <a:buChar char="•"/>
-        <a:defRPr sz="1800" kern="1200">
-          <a:solidFill>
-            <a:schemeClr val="tx1"/>
-          </a:solidFill>
-          <a:latin typeface="+mn-lt"/>
-          <a:ea typeface="+mn-ea"/>
-          <a:cs typeface="+mn-cs"/>
-        </a:defRPr>
-      </a:lvl7pPr>
-      <a:lvl8pPr marL="3429000" indent="-228600" algn="l" defTabSz="914400" rtl="0" eaLnBrk="1" latinLnBrk="0" hangingPunct="1">
-        <a:lnSpc>
-          <a:spcPct val="90000"/>
-        </a:lnSpc>
-        <a:spcBef>
-          <a:spcPts val="500"/>
-        </a:spcBef>
-        <a:buFont typeface="Arial" panose="020B0604020202020204" pitchFamily="34" charset="0"/>
-        <a:buChar char="•"/>
-        <a:defRPr sz="1800" kern="1200">
-          <a:solidFill>
-            <a:schemeClr val="tx1"/>
-          </a:solidFill>
-          <a:latin typeface="+mn-lt"/>
-          <a:ea typeface="+mn-ea"/>
-          <a:cs typeface="+mn-cs"/>
-        </a:defRPr>
-      </a:lvl8pPr>
-      <a:lvl9pPr marL="3886200" indent="-228600" algn="l" defTabSz="914400" rtl="0" eaLnBrk="1" latinLnBrk="0" hangingPunct="1">
-        <a:lnSpc>
-          <a:spcPct val="90000"/>
-        </a:lnSpc>
-        <a:spcBef>
-          <a:spcPts val="500"/>
-        </a:spcBef>
-        <a:buFont typeface="Arial" panose="020B0604020202020204" pitchFamily="34" charset="0"/>
-        <a:buChar char="•"/>
-        <a:defRPr sz="1800" kern="1200">
-          <a:solidFill>
-            <a:schemeClr val="tx1"/>
-          </a:solidFill>
-          <a:latin typeface="+mn-lt"/>
-          <a:ea typeface="+mn-ea"/>
-          <a:cs typeface="+mn-cs"/>
-        </a:defRPr>
-      </a:lvl9pPr>
-    </p:bodyStyle>
-    <p:otherStyle>
-      <a:defPPr>
-        <a:defRPr lang="pt-BR"/>
-      </a:defPPr>
-      <a:lvl1pPr marL="0" algn="l" defTabSz="914400" rtl="0" eaLnBrk="1" latinLnBrk="0" hangingPunct="1">
-        <a:defRPr sz="1800" kern="1200">
-          <a:solidFill>
-            <a:schemeClr val="tx1"/>
-          </a:solidFill>
-          <a:latin typeface="+mn-lt"/>
-          <a:ea typeface="+mn-ea"/>
-          <a:cs typeface="+mn-cs"/>
-        </a:defRPr>
-      </a:lvl1pPr>
-      <a:lvl2pPr marL="457200" algn="l" defTabSz="914400" rtl="0" eaLnBrk="1" latinLnBrk="0" hangingPunct="1">
-        <a:defRPr sz="1800" kern="1200">
-          <a:solidFill>
-            <a:schemeClr val="tx1"/>
-          </a:solidFill>
-          <a:latin typeface="+mn-lt"/>
-          <a:ea typeface="+mn-ea"/>
-          <a:cs typeface="+mn-cs"/>
-        </a:defRPr>
-      </a:lvl2pPr>
-      <a:lvl3pPr marL="914400" algn="l" defTabSz="914400" rtl="0" eaLnBrk="1" latinLnBrk="0" hangingPunct="1">
-        <a:defRPr sz="1800" kern="1200">
-          <a:solidFill>
-            <a:schemeClr val="tx1"/>
-          </a:solidFill>
-          <a:latin typeface="+mn-lt"/>
-          <a:ea typeface="+mn-ea"/>
-          <a:cs typeface="+mn-cs"/>
-        </a:defRPr>
-      </a:lvl3pPr>
-      <a:lvl4pPr marL="1371600" algn="l" defTabSz="914400" rtl="0" eaLnBrk="1" latinLnBrk="0" hangingPunct="1">
-        <a:defRPr sz="1800" kern="1200">
-          <a:solidFill>
-            <a:schemeClr val="tx1"/>
-          </a:solidFill>
-          <a:latin typeface="+mn-lt"/>
-          <a:ea typeface="+mn-ea"/>
-          <a:cs typeface="+mn-cs"/>
-        </a:defRPr>
-      </a:lvl4pPr>
-      <a:lvl5pPr marL="1828800" algn="l" defTabSz="914400" rtl="0" eaLnBrk="1" latinLnBrk="0" hangingPunct="1">
-        <a:defRPr sz="1800" kern="1200">
-          <a:solidFill>
-            <a:schemeClr val="tx1"/>
-          </a:solidFill>
-          <a:latin typeface="+mn-lt"/>
-          <a:ea typeface="+mn-ea"/>
-          <a:cs typeface="+mn-cs"/>
-        </a:defRPr>
-      </a:lvl5pPr>
-      <a:lvl6pPr marL="2286000" algn="l" defTabSz="914400" rtl="0" eaLnBrk="1" latinLnBrk="0" hangingPunct="1">
-        <a:defRPr sz="1800" kern="1200">
-          <a:solidFill>
-            <a:schemeClr val="tx1"/>
-          </a:solidFill>
-          <a:latin typeface="+mn-lt"/>
-          <a:ea typeface="+mn-ea"/>
-          <a:cs typeface="+mn-cs"/>
-        </a:defRPr>
-      </a:lvl6pPr>
-      <a:lvl7pPr marL="2743200" algn="l" defTabSz="914400" rtl="0" eaLnBrk="1" latinLnBrk="0" hangingPunct="1">
-        <a:defRPr sz="1800" kern="1200">
-          <a:solidFill>
-            <a:schemeClr val="tx1"/>
-          </a:solidFill>
-          <a:latin typeface="+mn-lt"/>
-          <a:ea typeface="+mn-ea"/>
-          <a:cs typeface="+mn-cs"/>
-        </a:defRPr>
-      </a:lvl7pPr>
-      <a:lvl8pPr marL="3200400" algn="l" defTabSz="914400" rtl="0" eaLnBrk="1" latinLnBrk="0" hangingPunct="1">
-        <a:defRPr sz="1800" kern="1200">
-          <a:solidFill>
-            <a:schemeClr val="tx1"/>
-          </a:solidFill>
-          <a:latin typeface="+mn-lt"/>
-          <a:ea typeface="+mn-ea"/>
-          <a:cs typeface="+mn-cs"/>
-        </a:defRPr>
-      </a:lvl8pPr>
-      <a:lvl9pPr marL="3657600" algn="l" defTabSz="914400" rtl="0" eaLnBrk="1" latinLnBrk="0" hangingPunct="1">
-        <a:defRPr sz="1800" kern="1200">
-          <a:solidFill>
-            <a:schemeClr val="tx1"/>
-          </a:solidFill>
-          <a:latin typeface="+mn-lt"/>
-          <a:ea typeface="+mn-ea"/>
-          <a:cs typeface="+mn-cs"/>
-        </a:defRPr>
-      </a:lvl9pPr>
-    </p:otherStyle>
-  </p:txStyles>
 </p:sldMaster>
 </file>
 
 <file path=ppt/slides/slide1.xml><?xml version="1.0" encoding="utf-8"?>
-<p:sld xmlns:a="http://schemas.openxmlformats.org/drawingml/2006/main" xmlns:r="http://schemas.openxmlformats.org/officeDocument/2006/relationships" xmlns:p="http://schemas.openxmlformats.org/presentationml/2006/main">
+<p:sld xmlns:a="http://schemas.openxmlformats.org/drawingml/2006/main" xmlns:p="http://schemas.openxmlformats.org/presentationml/2006/main" xmlns:r="http://schemas.openxmlformats.org/officeDocument/2006/relationships" xmlns:p14="http://schemas.microsoft.com/office/powerpoint/2010/main" xmlns:p15="http://schemas.microsoft.com/office/powerpoint/2012/main" xmlns:mc="http://schemas.openxmlformats.org/markup-compatibility/2006">
   <p:cSld>
     <p:bg>
       <p:bgPr>
         <a:solidFill>
-          <a:srgbClr val="FFFFFF"/>
+          <a:srgbClr val="ffffff"/>
         </a:solidFill>
-        <a:effectLst/>
       </p:bgPr>
     </p:bg>
     <p:spTree>
@@ -2068,34 +1780,110 @@
         <p:spPr>
           <a:xfrm>
             <a:off x="0" y="0"/>
-            <a:ext cx="12189240" cy="1583640"/>
+            <a:ext cx="12188880" cy="1583280"/>
           </a:xfrm>
           <a:prstGeom prst="rect">
             <a:avLst/>
           </a:prstGeom>
           <a:solidFill>
-            <a:srgbClr val="347C36"/>
+            <a:srgbClr val="347c36"/>
           </a:solidFill>
           <a:ln>
             <a:noFill/>
           </a:ln>
         </p:spPr>
         <p:style>
-          <a:lnRef idx="0">
-            <a:scrgbClr r="0" g="0" b="0"/>
-          </a:lnRef>
-          <a:fillRef idx="0">
-            <a:scrgbClr r="0" g="0" b="0"/>
-          </a:fillRef>
-          <a:effectRef idx="0">
-            <a:scrgbClr r="0" g="0" b="0"/>
-          </a:effectRef>
+          <a:lnRef idx="0"/>
+          <a:fillRef idx="0"/>
+          <a:effectRef idx="0"/>
           <a:fontRef idx="minor"/>
         </p:style>
       </p:sp>
       <p:pic>
         <p:nvPicPr>
-          <p:cNvPr id="39" name="Google Shape;89;p13"/>
+          <p:cNvPr id="39" name="Google Shape;89;p13" descr=""/>
+          <p:cNvPicPr/>
+          <p:nvPr/>
+        </p:nvPicPr>
+        <p:blipFill>
+          <a:blip r:embed="rId1"/>
+          <a:stretch/>
+        </p:blipFill>
+        <p:spPr>
+          <a:xfrm>
+            <a:off x="10561680" y="0"/>
+            <a:ext cx="1080000" cy="2503800"/>
+          </a:xfrm>
+          <a:prstGeom prst="rect">
+            <a:avLst/>
+          </a:prstGeom>
+          <a:ln>
+            <a:noFill/>
+          </a:ln>
+        </p:spPr>
+      </p:pic>
+      <p:sp>
+        <p:nvSpPr>
+          <p:cNvPr id="40" name="CustomShape 2"/>
+          <p:cNvSpPr/>
+          <p:nvPr/>
+        </p:nvSpPr>
+        <p:spPr>
+          <a:xfrm>
+            <a:off x="504000" y="6479280"/>
+            <a:ext cx="11126880" cy="716760"/>
+          </a:xfrm>
+          <a:prstGeom prst="rect">
+            <a:avLst/>
+          </a:prstGeom>
+          <a:noFill/>
+          <a:ln>
+            <a:noFill/>
+          </a:ln>
+        </p:spPr>
+        <p:style>
+          <a:lnRef idx="0"/>
+          <a:fillRef idx="0"/>
+          <a:effectRef idx="0"/>
+          <a:fontRef idx="minor"/>
+        </p:style>
+        <p:txBody>
+          <a:bodyPr lIns="90000" rIns="90000" tIns="45000" bIns="45000"/>
+          <a:p>
+            <a:pPr algn="ctr">
+              <a:lnSpc>
+                <a:spcPct val="100000"/>
+              </a:lnSpc>
+            </a:pPr>
+            <a:r>
+              <a:rPr b="1" lang="pt-BR" sz="1500" spc="-1" strike="noStrike">
+                <a:solidFill>
+                  <a:srgbClr val="8dc641"/>
+                </a:solidFill>
+                <a:latin typeface="Arial"/>
+                <a:ea typeface="Arial"/>
+              </a:rPr>
+              <a:t> </a:t>
+            </a:r>
+            <a:r>
+              <a:rPr b="1" lang="pt-BR" sz="1500" spc="-1" strike="noStrike">
+                <a:solidFill>
+                  <a:srgbClr val="8dc641"/>
+                </a:solidFill>
+                <a:latin typeface="Arial"/>
+                <a:ea typeface="Arial"/>
+              </a:rPr>
+              <a:t>Fabio Vasques, Gieder Loreto</a:t>
+            </a:r>
+            <a:endParaRPr b="0" lang="pt-BR" sz="1500" spc="-1" strike="noStrike">
+              <a:latin typeface="Arial"/>
+            </a:endParaRPr>
+          </a:p>
+        </p:txBody>
+      </p:sp>
+      <p:pic>
+        <p:nvPicPr>
+          <p:cNvPr id="41" name="Google Shape;166;p39" descr=""/>
           <p:cNvPicPr/>
           <p:nvPr/>
         </p:nvPicPr>
@@ -2105,8 +1893,8 @@
         </p:blipFill>
         <p:spPr>
           <a:xfrm>
-            <a:off x="10561680" y="0"/>
-            <a:ext cx="1080360" cy="2504160"/>
+            <a:off x="235080" y="283680"/>
+            <a:ext cx="3997440" cy="1016280"/>
           </a:xfrm>
           <a:prstGeom prst="rect">
             <a:avLst/>
@@ -2118,14 +1906,14 @@
       </p:pic>
       <p:sp>
         <p:nvSpPr>
-          <p:cNvPr id="40" name="CustomShape 2"/>
+          <p:cNvPr id="42" name="CustomShape 3"/>
           <p:cNvSpPr/>
           <p:nvPr/>
         </p:nvSpPr>
         <p:spPr>
           <a:xfrm>
-            <a:off x="504000" y="6479280"/>
-            <a:ext cx="11127240" cy="717120"/>
+            <a:off x="3603240" y="3470040"/>
+            <a:ext cx="4928760" cy="1122120"/>
           </a:xfrm>
           <a:prstGeom prst="rect">
             <a:avLst/>
@@ -2136,20 +1924,13 @@
           </a:ln>
         </p:spPr>
         <p:style>
-          <a:lnRef idx="0">
-            <a:scrgbClr r="0" g="0" b="0"/>
-          </a:lnRef>
-          <a:fillRef idx="0">
-            <a:scrgbClr r="0" g="0" b="0"/>
-          </a:fillRef>
-          <a:effectRef idx="0">
-            <a:scrgbClr r="0" g="0" b="0"/>
-          </a:effectRef>
+          <a:lnRef idx="0"/>
+          <a:fillRef idx="0"/>
+          <a:effectRef idx="0"/>
           <a:fontRef idx="minor"/>
         </p:style>
         <p:txBody>
-          <a:bodyPr lIns="90000" tIns="45000" rIns="90000" bIns="45000"/>
-          <a:lstStyle/>
+          <a:bodyPr lIns="90000" rIns="90000" tIns="45000" bIns="45000"/>
           <a:p>
             <a:pPr algn="ctr">
               <a:lnSpc>
@@ -2157,88 +1938,9 @@
               </a:lnSpc>
             </a:pPr>
             <a:r>
-              <a:rPr lang="pt-BR" sz="1500" b="1" strike="noStrike" spc="-1">
+              <a:rPr b="1" lang="pt-BR" sz="1500" spc="-1" strike="noStrike">
                 <a:solidFill>
-                  <a:srgbClr val="8DC641"/>
-                </a:solidFill>
-                <a:latin typeface="Arial"/>
-                <a:ea typeface="Arial"/>
-              </a:rPr>
-              <a:t> Fabio Vasques, Gieder Loreto</a:t>
-            </a:r>
-            <a:endParaRPr lang="pt-BR" sz="1500" b="0" strike="noStrike" spc="-1">
-              <a:latin typeface="Arial"/>
-            </a:endParaRPr>
-          </a:p>
-        </p:txBody>
-      </p:sp>
-      <p:pic>
-        <p:nvPicPr>
-          <p:cNvPr id="41" name="Google Shape;166;p39"/>
-          <p:cNvPicPr/>
-          <p:nvPr/>
-        </p:nvPicPr>
-        <p:blipFill>
-          <a:blip r:embed="rId3"/>
-          <a:stretch/>
-        </p:blipFill>
-        <p:spPr>
-          <a:xfrm>
-            <a:off x="235080" y="283680"/>
-            <a:ext cx="3997800" cy="1016640"/>
-          </a:xfrm>
-          <a:prstGeom prst="rect">
-            <a:avLst/>
-          </a:prstGeom>
-          <a:ln>
-            <a:noFill/>
-          </a:ln>
-        </p:spPr>
-      </p:pic>
-      <p:sp>
-        <p:nvSpPr>
-          <p:cNvPr id="42" name="CustomShape 3"/>
-          <p:cNvSpPr/>
-          <p:nvPr/>
-        </p:nvSpPr>
-        <p:spPr>
-          <a:xfrm>
-            <a:off x="3603240" y="3470040"/>
-            <a:ext cx="4929120" cy="1122480"/>
-          </a:xfrm>
-          <a:prstGeom prst="rect">
-            <a:avLst/>
-          </a:prstGeom>
-          <a:noFill/>
-          <a:ln>
-            <a:noFill/>
-          </a:ln>
-        </p:spPr>
-        <p:style>
-          <a:lnRef idx="0">
-            <a:scrgbClr r="0" g="0" b="0"/>
-          </a:lnRef>
-          <a:fillRef idx="0">
-            <a:scrgbClr r="0" g="0" b="0"/>
-          </a:fillRef>
-          <a:effectRef idx="0">
-            <a:scrgbClr r="0" g="0" b="0"/>
-          </a:effectRef>
-          <a:fontRef idx="minor"/>
-        </p:style>
-        <p:txBody>
-          <a:bodyPr lIns="90000" tIns="45000" rIns="90000" bIns="45000"/>
-          <a:lstStyle/>
-          <a:p>
-            <a:pPr algn="ctr">
-              <a:lnSpc>
-                <a:spcPct val="100000"/>
-              </a:lnSpc>
-            </a:pPr>
-            <a:r>
-              <a:rPr lang="pt-BR" sz="1500" b="1" strike="noStrike" spc="-1" dirty="0">
-                <a:solidFill>
-                  <a:srgbClr val="8DC641"/>
+                  <a:srgbClr val="8dc641"/>
                 </a:solidFill>
                 <a:latin typeface="Arial"/>
                 <a:ea typeface="Arial"/>
@@ -2246,16 +1948,16 @@
               <a:t> </a:t>
             </a:r>
             <a:r>
-              <a:rPr lang="pt-BR" sz="3200" b="1" strike="noStrike" spc="-1" dirty="0">
+              <a:rPr b="1" lang="pt-BR" sz="3200" spc="-1" strike="noStrike">
                 <a:solidFill>
-                  <a:srgbClr val="8DC641"/>
+                  <a:srgbClr val="8dc641"/>
                 </a:solidFill>
                 <a:latin typeface="Arial"/>
                 <a:ea typeface="Arial"/>
               </a:rPr>
               <a:t>Projeto de Software (Banco de Dados)</a:t>
             </a:r>
-            <a:endParaRPr lang="pt-BR" sz="3200" b="0" strike="noStrike" spc="-1" dirty="0">
+            <a:endParaRPr b="0" lang="pt-BR" sz="3200" spc="-1" strike="noStrike">
               <a:latin typeface="Arial"/>
             </a:endParaRPr>
           </a:p>
@@ -2265,7 +1967,7 @@
                 <a:spcPct val="100000"/>
               </a:lnSpc>
             </a:pPr>
-            <a:endParaRPr lang="pt-BR" sz="3200" b="0" strike="noStrike" spc="-1" dirty="0">
+            <a:endParaRPr b="0" lang="pt-BR" sz="3200" spc="-1" strike="noStrike">
               <a:latin typeface="Arial"/>
             </a:endParaRPr>
           </a:p>
@@ -2275,7 +1977,7 @@
                 <a:spcPct val="100000"/>
               </a:lnSpc>
             </a:pPr>
-            <a:endParaRPr lang="pt-BR" sz="3200" b="0" strike="noStrike" spc="-1" dirty="0">
+            <a:endParaRPr b="0" lang="pt-BR" sz="3200" spc="-1" strike="noStrike">
               <a:latin typeface="Arial"/>
             </a:endParaRPr>
           </a:p>
@@ -2285,7 +1987,7 @@
                 <a:spcPct val="100000"/>
               </a:lnSpc>
             </a:pPr>
-            <a:endParaRPr lang="pt-BR" sz="3200" b="0" strike="noStrike" spc="-1" dirty="0">
+            <a:endParaRPr b="0" lang="pt-BR" sz="3200" spc="-1" strike="noStrike">
               <a:latin typeface="Arial"/>
             </a:endParaRPr>
           </a:p>
@@ -2296,16 +1998,16 @@
               </a:lnSpc>
             </a:pPr>
             <a:r>
-              <a:rPr lang="pt-BR" sz="2000" b="1" strike="noStrike" spc="-1" dirty="0">
+              <a:rPr b="1" lang="pt-BR" sz="2000" spc="-1" strike="noStrike">
                 <a:solidFill>
-                  <a:srgbClr val="8DC641"/>
+                  <a:srgbClr val="8dc641"/>
                 </a:solidFill>
                 <a:latin typeface="Arial"/>
                 <a:ea typeface="Arial"/>
               </a:rPr>
               <a:t>TECH SUS</a:t>
             </a:r>
-            <a:endParaRPr lang="pt-BR" sz="2000" b="0" strike="noStrike" spc="-1" dirty="0">
+            <a:endParaRPr b="0" lang="pt-BR" sz="2000" spc="-1" strike="noStrike">
               <a:latin typeface="Arial"/>
             </a:endParaRPr>
           </a:p>
@@ -2315,7 +2017,7 @@
                 <a:spcPct val="100000"/>
               </a:lnSpc>
             </a:pPr>
-            <a:endParaRPr lang="pt-BR" sz="2000" b="0" strike="noStrike" spc="-1" dirty="0">
+            <a:endParaRPr b="0" lang="pt-BR" sz="2000" spc="-1" strike="noStrike">
               <a:latin typeface="Arial"/>
             </a:endParaRPr>
           </a:p>
@@ -2325,7 +2027,7 @@
                 <a:spcPct val="100000"/>
               </a:lnSpc>
             </a:pPr>
-            <a:endParaRPr lang="pt-BR" sz="2000" b="0" strike="noStrike" spc="-1" dirty="0">
+            <a:endParaRPr b="0" lang="pt-BR" sz="2000" spc="-1" strike="noStrike">
               <a:latin typeface="Arial"/>
             </a:endParaRPr>
           </a:p>
@@ -2333,9 +2035,6 @@
       </p:sp>
     </p:spTree>
   </p:cSld>
-  <p:clrMapOvr>
-    <a:masterClrMapping/>
-  </p:clrMapOvr>
   <p:timing>
     <p:tnLst>
       <p:par>
@@ -2344,14 +2043,14 @@
             <p:seq>
               <p:cTn id="2" dur="indefinite" nodeType="mainSeq"/>
               <p:prevCondLst>
-                <p:cond evt="onPrev" delay="0">
+                <p:cond delay="0" evt="onPrev">
                   <p:tgtEl>
                     <p:sldTgt/>
                   </p:tgtEl>
                 </p:cond>
               </p:prevCondLst>
               <p:nextCondLst>
-                <p:cond evt="onNext" delay="0">
+                <p:cond delay="0" evt="onNext">
                   <p:tgtEl>
                     <p:sldTgt/>
                   </p:tgtEl>
@@ -2367,14 +2066,13 @@
 </file>
 
 <file path=ppt/slides/slide2.xml><?xml version="1.0" encoding="utf-8"?>
-<p:sld xmlns:a="http://schemas.openxmlformats.org/drawingml/2006/main" xmlns:r="http://schemas.openxmlformats.org/officeDocument/2006/relationships" xmlns:p="http://schemas.openxmlformats.org/presentationml/2006/main">
+<p:sld xmlns:a="http://schemas.openxmlformats.org/drawingml/2006/main" xmlns:p="http://schemas.openxmlformats.org/presentationml/2006/main" xmlns:r="http://schemas.openxmlformats.org/officeDocument/2006/relationships" xmlns:p14="http://schemas.microsoft.com/office/powerpoint/2010/main" xmlns:p15="http://schemas.microsoft.com/office/powerpoint/2012/main" xmlns:mc="http://schemas.openxmlformats.org/markup-compatibility/2006">
   <p:cSld>
     <p:bg>
       <p:bgPr>
         <a:solidFill>
-          <a:srgbClr val="FFFFFF"/>
+          <a:srgbClr val="ffffff"/>
         </a:solidFill>
-        <a:effectLst/>
       </p:bgPr>
     </p:bg>
     <p:spTree>
@@ -2400,28 +2098,22 @@
         <p:spPr>
           <a:xfrm>
             <a:off x="0" y="0"/>
-            <a:ext cx="12189240" cy="1583640"/>
+            <a:ext cx="12188880" cy="1583280"/>
           </a:xfrm>
           <a:prstGeom prst="rect">
             <a:avLst/>
           </a:prstGeom>
           <a:solidFill>
-            <a:srgbClr val="347C36"/>
+            <a:srgbClr val="347c36"/>
           </a:solidFill>
           <a:ln>
             <a:noFill/>
           </a:ln>
         </p:spPr>
         <p:style>
-          <a:lnRef idx="0">
-            <a:scrgbClr r="0" g="0" b="0"/>
-          </a:lnRef>
-          <a:fillRef idx="0">
-            <a:scrgbClr r="0" g="0" b="0"/>
-          </a:fillRef>
-          <a:effectRef idx="0">
-            <a:scrgbClr r="0" g="0" b="0"/>
-          </a:effectRef>
+          <a:lnRef idx="0"/>
+          <a:fillRef idx="0"/>
+          <a:effectRef idx="0"/>
           <a:fontRef idx="minor"/>
         </p:style>
       </p:sp>
@@ -2434,7 +2126,7 @@
         <p:spPr>
           <a:xfrm>
             <a:off x="504000" y="6479280"/>
-            <a:ext cx="11127240" cy="717120"/>
+            <a:ext cx="11126880" cy="716760"/>
           </a:xfrm>
           <a:prstGeom prst="rect">
             <a:avLst/>
@@ -2445,20 +2137,13 @@
           </a:ln>
         </p:spPr>
         <p:style>
-          <a:lnRef idx="0">
-            <a:scrgbClr r="0" g="0" b="0"/>
-          </a:lnRef>
-          <a:fillRef idx="0">
-            <a:scrgbClr r="0" g="0" b="0"/>
-          </a:fillRef>
-          <a:effectRef idx="0">
-            <a:scrgbClr r="0" g="0" b="0"/>
-          </a:effectRef>
+          <a:lnRef idx="0"/>
+          <a:fillRef idx="0"/>
+          <a:effectRef idx="0"/>
           <a:fontRef idx="minor"/>
         </p:style>
         <p:txBody>
-          <a:bodyPr lIns="90000" tIns="45000" rIns="90000" bIns="45000"/>
-          <a:lstStyle/>
+          <a:bodyPr lIns="90000" rIns="90000" tIns="45000" bIns="45000"/>
           <a:p>
             <a:pPr algn="ctr">
               <a:lnSpc>
@@ -2466,16 +2151,26 @@
               </a:lnSpc>
             </a:pPr>
             <a:r>
-              <a:rPr lang="pt-BR" sz="1500" b="1" strike="noStrike" spc="-1">
+              <a:rPr b="1" lang="pt-BR" sz="1500" spc="-1" strike="noStrike">
                 <a:solidFill>
-                  <a:srgbClr val="8DC641"/>
+                  <a:srgbClr val="8dc641"/>
                 </a:solidFill>
                 <a:latin typeface="Arial"/>
                 <a:ea typeface="Arial"/>
               </a:rPr>
-              <a:t> Fabio Vasques, Gieder Loreto</a:t>
+              <a:t> </a:t>
             </a:r>
-            <a:endParaRPr lang="pt-BR" sz="1500" b="0" strike="noStrike" spc="-1">
+            <a:r>
+              <a:rPr b="1" lang="pt-BR" sz="1500" spc="-1" strike="noStrike">
+                <a:solidFill>
+                  <a:srgbClr val="8dc641"/>
+                </a:solidFill>
+                <a:latin typeface="Arial"/>
+                <a:ea typeface="Arial"/>
+              </a:rPr>
+              <a:t>Fabio Vasques, Gieder Loreto</a:t>
+            </a:r>
+            <a:endParaRPr b="0" lang="pt-BR" sz="1500" spc="-1" strike="noStrike">
               <a:latin typeface="Arial"/>
             </a:endParaRPr>
           </a:p>
@@ -2483,7 +2178,30 @@
       </p:sp>
       <p:pic>
         <p:nvPicPr>
-          <p:cNvPr id="45" name="Google Shape;166;p39"/>
+          <p:cNvPr id="45" name="Google Shape;166;p39" descr=""/>
+          <p:cNvPicPr/>
+          <p:nvPr/>
+        </p:nvPicPr>
+        <p:blipFill>
+          <a:blip r:embed="rId1"/>
+          <a:stretch/>
+        </p:blipFill>
+        <p:spPr>
+          <a:xfrm>
+            <a:off x="235080" y="283680"/>
+            <a:ext cx="3997440" cy="1016280"/>
+          </a:xfrm>
+          <a:prstGeom prst="rect">
+            <a:avLst/>
+          </a:prstGeom>
+          <a:ln>
+            <a:noFill/>
+          </a:ln>
+        </p:spPr>
+      </p:pic>
+      <p:pic>
+        <p:nvPicPr>
+          <p:cNvPr id="46" name="Imagem 4" descr=""/>
           <p:cNvPicPr/>
           <p:nvPr/>
         </p:nvPicPr>
@@ -2493,8 +2211,8 @@
         </p:blipFill>
         <p:spPr>
           <a:xfrm>
-            <a:off x="235080" y="283680"/>
-            <a:ext cx="3997800" cy="1016640"/>
+            <a:off x="103320" y="1738800"/>
+            <a:ext cx="11960640" cy="4835160"/>
           </a:xfrm>
           <a:prstGeom prst="rect">
             <a:avLst/>
@@ -2506,54 +2224,18 @@
       </p:pic>
       <p:pic>
         <p:nvPicPr>
-          <p:cNvPr id="5" name="Imagem 4">
-            <a:extLst>
-              <a:ext uri="{FF2B5EF4-FFF2-40B4-BE49-F238E27FC236}">
-                <a16:creationId xmlns:a16="http://schemas.microsoft.com/office/drawing/2014/main" id="{0F279DC2-B9FE-40E4-B76C-0C48ED38BC42}"/>
-              </a:ext>
-            </a:extLst>
-          </p:cNvPr>
-          <p:cNvPicPr>
-            <a:picLocks noChangeAspect="1"/>
-          </p:cNvPicPr>
-          <p:nvPr/>
-        </p:nvPicPr>
-        <p:blipFill>
-          <a:blip r:embed="rId3">
-            <a:extLst>
-              <a:ext uri="{28A0092B-C50C-407E-A947-70E740481C1C}">
-                <a14:useLocalDpi xmlns:a14="http://schemas.microsoft.com/office/drawing/2010/main" val="0"/>
-              </a:ext>
-            </a:extLst>
-          </a:blip>
-          <a:stretch>
-            <a:fillRect/>
-          </a:stretch>
-        </p:blipFill>
-        <p:spPr>
-          <a:xfrm>
-            <a:off x="103239" y="1738817"/>
-            <a:ext cx="11960942" cy="4835503"/>
-          </a:xfrm>
-          <a:prstGeom prst="rect">
-            <a:avLst/>
-          </a:prstGeom>
-        </p:spPr>
-      </p:pic>
-      <p:pic>
-        <p:nvPicPr>
-          <p:cNvPr id="47" name="Google Shape;89;p13"/>
+          <p:cNvPr id="47" name="Google Shape;89;p13" descr=""/>
           <p:cNvPicPr/>
           <p:nvPr/>
         </p:nvPicPr>
         <p:blipFill>
-          <a:blip r:embed="rId4"/>
+          <a:blip r:embed="rId3"/>
           <a:stretch/>
         </p:blipFill>
         <p:spPr>
           <a:xfrm>
             <a:off x="10561680" y="0"/>
-            <a:ext cx="1080360" cy="2504160"/>
+            <a:ext cx="1080000" cy="2503800"/>
           </a:xfrm>
           <a:prstGeom prst="rect">
             <a:avLst/>
@@ -2565,25 +2247,22 @@
       </p:pic>
     </p:spTree>
   </p:cSld>
-  <p:clrMapOvr>
-    <a:masterClrMapping/>
-  </p:clrMapOvr>
   <p:timing>
     <p:tnLst>
       <p:par>
-        <p:cTn id="1" dur="indefinite" restart="never" nodeType="tmRoot">
+        <p:cTn id="3" dur="indefinite" restart="never" nodeType="tmRoot">
           <p:childTnLst>
             <p:seq>
-              <p:cTn id="2" dur="indefinite" nodeType="mainSeq"/>
+              <p:cTn id="4" dur="indefinite" nodeType="mainSeq"/>
               <p:prevCondLst>
-                <p:cond evt="onPrev" delay="0">
+                <p:cond delay="0" evt="onPrev">
                   <p:tgtEl>
                     <p:sldTgt/>
                   </p:tgtEl>
                 </p:cond>
               </p:prevCondLst>
               <p:nextCondLst>
-                <p:cond evt="onNext" delay="0">
+                <p:cond delay="0" evt="onNext">
                   <p:tgtEl>
                     <p:sldTgt/>
                   </p:tgtEl>
@@ -2599,14 +2278,13 @@
 </file>
 
 <file path=ppt/slides/slide3.xml><?xml version="1.0" encoding="utf-8"?>
-<p:sld xmlns:a="http://schemas.openxmlformats.org/drawingml/2006/main" xmlns:r="http://schemas.openxmlformats.org/officeDocument/2006/relationships" xmlns:p="http://schemas.openxmlformats.org/presentationml/2006/main">
+<p:sld xmlns:a="http://schemas.openxmlformats.org/drawingml/2006/main" xmlns:p="http://schemas.openxmlformats.org/presentationml/2006/main" xmlns:r="http://schemas.openxmlformats.org/officeDocument/2006/relationships" xmlns:p14="http://schemas.microsoft.com/office/powerpoint/2010/main" xmlns:p15="http://schemas.microsoft.com/office/powerpoint/2012/main" xmlns:mc="http://schemas.openxmlformats.org/markup-compatibility/2006">
   <p:cSld>
     <p:bg>
       <p:bgPr>
         <a:solidFill>
-          <a:srgbClr val="FFFFFF"/>
+          <a:srgbClr val="ffffff"/>
         </a:solidFill>
-        <a:effectLst/>
       </p:bgPr>
     </p:bg>
     <p:spTree>
@@ -2625,14 +2303,14 @@
       </p:grpSpPr>
       <p:sp>
         <p:nvSpPr>
-          <p:cNvPr id="56" name="CustomShape 1"/>
+          <p:cNvPr id="48" name="CustomShape 1"/>
           <p:cNvSpPr/>
           <p:nvPr/>
         </p:nvSpPr>
         <p:spPr>
           <a:xfrm>
             <a:off x="504000" y="6479280"/>
-            <a:ext cx="11127240" cy="717120"/>
+            <a:ext cx="11126880" cy="716760"/>
           </a:xfrm>
           <a:prstGeom prst="rect">
             <a:avLst/>
@@ -2643,20 +2321,13 @@
           </a:ln>
         </p:spPr>
         <p:style>
-          <a:lnRef idx="0">
-            <a:scrgbClr r="0" g="0" b="0"/>
-          </a:lnRef>
-          <a:fillRef idx="0">
-            <a:scrgbClr r="0" g="0" b="0"/>
-          </a:fillRef>
-          <a:effectRef idx="0">
-            <a:scrgbClr r="0" g="0" b="0"/>
-          </a:effectRef>
+          <a:lnRef idx="0"/>
+          <a:fillRef idx="0"/>
+          <a:effectRef idx="0"/>
           <a:fontRef idx="minor"/>
         </p:style>
         <p:txBody>
-          <a:bodyPr lIns="90000" tIns="45000" rIns="90000" bIns="45000"/>
-          <a:lstStyle/>
+          <a:bodyPr lIns="90000" rIns="90000" tIns="45000" bIns="45000"/>
           <a:p>
             <a:pPr algn="ctr">
               <a:lnSpc>
@@ -2664,31 +2335,41 @@
               </a:lnSpc>
             </a:pPr>
             <a:r>
-              <a:rPr lang="pt-BR" sz="1500" b="1" strike="noStrike" spc="-1">
+              <a:rPr b="1" lang="pt-BR" sz="1500" spc="-1" strike="noStrike">
                 <a:solidFill>
-                  <a:srgbClr val="8DC641"/>
+                  <a:srgbClr val="8dc641"/>
                 </a:solidFill>
                 <a:latin typeface="Arial"/>
                 <a:ea typeface="Arial"/>
               </a:rPr>
-              <a:t> Fabio Vasques, Gieder Loreto</a:t>
+              <a:t> </a:t>
             </a:r>
-            <a:endParaRPr lang="pt-BR" sz="1500" b="0" strike="noStrike" spc="-1">
-              <a:latin typeface="Arial"/>
-            </a:endParaRPr>
-          </a:p>
-        </p:txBody>
-      </p:sp>
-      <p:sp>
-        <p:nvSpPr>
-          <p:cNvPr id="57" name="CustomShape 2"/>
+            <a:r>
+              <a:rPr b="1" lang="pt-BR" sz="1500" spc="-1" strike="noStrike">
+                <a:solidFill>
+                  <a:srgbClr val="8dc641"/>
+                </a:solidFill>
+                <a:latin typeface="Arial"/>
+                <a:ea typeface="Arial"/>
+              </a:rPr>
+              <a:t>Fabio Vasques, Gieder Loreto</a:t>
+            </a:r>
+            <a:endParaRPr b="0" lang="pt-BR" sz="1500" spc="-1" strike="noStrike">
+              <a:latin typeface="Arial"/>
+            </a:endParaRPr>
+          </a:p>
+        </p:txBody>
+      </p:sp>
+      <p:sp>
+        <p:nvSpPr>
+          <p:cNvPr id="49" name="CustomShape 2"/>
           <p:cNvSpPr/>
           <p:nvPr/>
         </p:nvSpPr>
         <p:spPr>
           <a:xfrm rot="16200000">
-            <a:off x="-4992840" y="2727000"/>
-            <a:ext cx="10610640" cy="676800"/>
+            <a:off x="-4992480" y="2727360"/>
+            <a:ext cx="10610280" cy="676440"/>
           </a:xfrm>
           <a:prstGeom prst="rect">
             <a:avLst/>
@@ -2699,20 +2380,13 @@
           </a:ln>
         </p:spPr>
         <p:style>
-          <a:lnRef idx="0">
-            <a:scrgbClr r="0" g="0" b="0"/>
-          </a:lnRef>
-          <a:fillRef idx="0">
-            <a:scrgbClr r="0" g="0" b="0"/>
-          </a:fillRef>
-          <a:effectRef idx="0">
-            <a:scrgbClr r="0" g="0" b="0"/>
-          </a:effectRef>
+          <a:lnRef idx="0"/>
+          <a:fillRef idx="0"/>
+          <a:effectRef idx="0"/>
           <a:fontRef idx="minor"/>
         </p:style>
         <p:txBody>
-          <a:bodyPr lIns="0" tIns="0" rIns="0" bIns="0" anchor="ctr"/>
-          <a:lstStyle/>
+          <a:bodyPr lIns="0" rIns="0" tIns="0" bIns="0" anchor="ctr"/>
           <a:p>
             <a:pPr algn="ctr">
               <a:lnSpc>
@@ -2720,16 +2394,16 @@
               </a:lnSpc>
             </a:pPr>
             <a:r>
-              <a:rPr lang="pt-BR" sz="1800" b="1" strike="noStrike" spc="-1" dirty="0">
+              <a:rPr b="1" lang="pt-BR" sz="1800" spc="-1" strike="noStrike">
                 <a:solidFill>
-                  <a:srgbClr val="8DC641"/>
+                  <a:srgbClr val="8dc641"/>
                 </a:solidFill>
                 <a:latin typeface="Arial"/>
                 <a:ea typeface="Arial"/>
               </a:rPr>
               <a:t>Modelo Lógico</a:t>
             </a:r>
-            <a:endParaRPr lang="pt-BR" sz="1800" b="0" strike="noStrike" spc="-1" dirty="0">
+            <a:endParaRPr b="0" lang="pt-BR" sz="1800" spc="-1" strike="noStrike">
               <a:latin typeface="Arial"/>
             </a:endParaRPr>
           </a:p>
@@ -2737,18 +2411,18 @@
       </p:sp>
       <p:pic>
         <p:nvPicPr>
-          <p:cNvPr id="58" name="Imagem 57"/>
+          <p:cNvPr id="50" name="" descr=""/>
           <p:cNvPicPr/>
           <p:nvPr/>
         </p:nvPicPr>
         <p:blipFill>
-          <a:blip r:embed="rId2"/>
+          <a:blip r:embed="rId1"/>
           <a:stretch/>
         </p:blipFill>
         <p:spPr>
           <a:xfrm>
-            <a:off x="1305360" y="32760"/>
-            <a:ext cx="9661320" cy="6857640"/>
+            <a:off x="1810080" y="187920"/>
+            <a:ext cx="8629920" cy="6076080"/>
           </a:xfrm>
           <a:prstGeom prst="rect">
             <a:avLst/>
@@ -2760,25 +2434,22 @@
       </p:pic>
     </p:spTree>
   </p:cSld>
-  <p:clrMapOvr>
-    <a:masterClrMapping/>
-  </p:clrMapOvr>
   <p:timing>
     <p:tnLst>
       <p:par>
-        <p:cTn id="1" dur="indefinite" restart="never" nodeType="tmRoot">
+        <p:cTn id="5" dur="indefinite" restart="never" nodeType="tmRoot">
           <p:childTnLst>
             <p:seq>
-              <p:cTn id="2" dur="indefinite" nodeType="mainSeq"/>
+              <p:cTn id="6" dur="indefinite" nodeType="mainSeq"/>
               <p:prevCondLst>
-                <p:cond evt="onPrev" delay="0">
+                <p:cond delay="0" evt="onPrev">
                   <p:tgtEl>
                     <p:sldTgt/>
                   </p:tgtEl>
                 </p:cond>
               </p:prevCondLst>
               <p:nextCondLst>
-                <p:cond evt="onNext" delay="0">
+                <p:cond delay="0" evt="onNext">
                   <p:tgtEl>
                     <p:sldTgt/>
                   </p:tgtEl>
@@ -2794,14 +2465,13 @@
 </file>
 
 <file path=ppt/slides/slide4.xml><?xml version="1.0" encoding="utf-8"?>
-<p:sld xmlns:a="http://schemas.openxmlformats.org/drawingml/2006/main" xmlns:r="http://schemas.openxmlformats.org/officeDocument/2006/relationships" xmlns:p="http://schemas.openxmlformats.org/presentationml/2006/main">
+<p:sld xmlns:a="http://schemas.openxmlformats.org/drawingml/2006/main" xmlns:p="http://schemas.openxmlformats.org/presentationml/2006/main" xmlns:r="http://schemas.openxmlformats.org/officeDocument/2006/relationships" xmlns:p14="http://schemas.microsoft.com/office/powerpoint/2010/main" xmlns:p15="http://schemas.microsoft.com/office/powerpoint/2012/main" xmlns:mc="http://schemas.openxmlformats.org/markup-compatibility/2006">
   <p:cSld>
     <p:bg>
       <p:bgPr>
         <a:solidFill>
-          <a:srgbClr val="FFFFFF"/>
+          <a:srgbClr val="ffffff"/>
         </a:solidFill>
-        <a:effectLst/>
       </p:bgPr>
     </p:bg>
     <p:spTree>
@@ -2820,7 +2490,56 @@
       </p:grpSpPr>
       <p:pic>
         <p:nvPicPr>
-          <p:cNvPr id="49" name="Google Shape;166;p39"/>
+          <p:cNvPr id="51" name="Google Shape;166;p39" descr=""/>
+          <p:cNvPicPr/>
+          <p:nvPr/>
+        </p:nvPicPr>
+        <p:blipFill>
+          <a:blip r:embed="rId1"/>
+          <a:stretch/>
+        </p:blipFill>
+        <p:spPr>
+          <a:xfrm>
+            <a:off x="235080" y="283680"/>
+            <a:ext cx="3997440" cy="1016280"/>
+          </a:xfrm>
+          <a:prstGeom prst="rect">
+            <a:avLst/>
+          </a:prstGeom>
+          <a:ln>
+            <a:noFill/>
+          </a:ln>
+        </p:spPr>
+      </p:pic>
+      <p:sp>
+        <p:nvSpPr>
+          <p:cNvPr id="52" name="CustomShape 1"/>
+          <p:cNvSpPr/>
+          <p:nvPr/>
+        </p:nvSpPr>
+        <p:spPr>
+          <a:xfrm rot="16200000">
+            <a:off x="-4992480" y="2727360"/>
+            <a:ext cx="10610280" cy="676440"/>
+          </a:xfrm>
+          <a:prstGeom prst="rect">
+            <a:avLst/>
+          </a:prstGeom>
+          <a:noFill/>
+          <a:ln>
+            <a:noFill/>
+          </a:ln>
+        </p:spPr>
+        <p:style>
+          <a:lnRef idx="0"/>
+          <a:fillRef idx="0"/>
+          <a:effectRef idx="0"/>
+          <a:fontRef idx="minor"/>
+        </p:style>
+      </p:sp>
+      <p:pic>
+        <p:nvPicPr>
+          <p:cNvPr id="53" name="Imagem 4" descr=""/>
           <p:cNvPicPr/>
           <p:nvPr/>
         </p:nvPicPr>
@@ -2830,8 +2549,8 @@
         </p:blipFill>
         <p:spPr>
           <a:xfrm>
-            <a:off x="235080" y="283680"/>
-            <a:ext cx="3997800" cy="1016640"/>
+            <a:off x="0" y="0"/>
+            <a:ext cx="12191760" cy="6857640"/>
           </a:xfrm>
           <a:prstGeom prst="rect">
             <a:avLst/>
@@ -2843,20 +2562,14 @@
       </p:pic>
       <p:sp>
         <p:nvSpPr>
-          <p:cNvPr id="6" name="CustomShape 2">
-            <a:extLst>
-              <a:ext uri="{FF2B5EF4-FFF2-40B4-BE49-F238E27FC236}">
-                <a16:creationId xmlns:a16="http://schemas.microsoft.com/office/drawing/2014/main" id="{8D115412-BA5F-4573-847C-75B10FFBCC32}"/>
-              </a:ext>
-            </a:extLst>
-          </p:cNvPr>
+          <p:cNvPr id="54" name="CustomShape 2"/>
           <p:cNvSpPr/>
           <p:nvPr/>
         </p:nvSpPr>
         <p:spPr>
-          <a:xfrm rot="16200000">
-            <a:off x="-4992840" y="2727000"/>
-            <a:ext cx="10610640" cy="676800"/>
+          <a:xfrm>
+            <a:off x="504000" y="6479280"/>
+            <a:ext cx="11126880" cy="716760"/>
           </a:xfrm>
           <a:prstGeom prst="rect">
             <a:avLst/>
@@ -2867,108 +2580,13 @@
           </a:ln>
         </p:spPr>
         <p:style>
-          <a:lnRef idx="0">
-            <a:scrgbClr r="0" g="0" b="0"/>
-          </a:lnRef>
-          <a:fillRef idx="0">
-            <a:scrgbClr r="0" g="0" b="0"/>
-          </a:fillRef>
-          <a:effectRef idx="0">
-            <a:scrgbClr r="0" g="0" b="0"/>
-          </a:effectRef>
+          <a:lnRef idx="0"/>
+          <a:fillRef idx="0"/>
+          <a:effectRef idx="0"/>
           <a:fontRef idx="minor"/>
         </p:style>
         <p:txBody>
-          <a:bodyPr lIns="0" tIns="0" rIns="0" bIns="0" anchor="ctr"/>
-          <a:lstStyle/>
-          <a:p>
-            <a:pPr algn="ctr">
-              <a:lnSpc>
-                <a:spcPct val="100000"/>
-              </a:lnSpc>
-            </a:pPr>
-            <a:endParaRPr lang="pt-BR" sz="1800" b="0" strike="noStrike" spc="-1" dirty="0">
-              <a:latin typeface="Arial"/>
-            </a:endParaRPr>
-          </a:p>
-        </p:txBody>
-      </p:sp>
-      <p:pic>
-        <p:nvPicPr>
-          <p:cNvPr id="5" name="Imagem 4">
-            <a:extLst>
-              <a:ext uri="{FF2B5EF4-FFF2-40B4-BE49-F238E27FC236}">
-                <a16:creationId xmlns:a16="http://schemas.microsoft.com/office/drawing/2014/main" id="{FD7F35F4-2802-40C8-A7FB-76DF3C0527DE}"/>
-              </a:ext>
-            </a:extLst>
-          </p:cNvPr>
-          <p:cNvPicPr>
-            <a:picLocks noChangeAspect="1"/>
-          </p:cNvPicPr>
-          <p:nvPr/>
-        </p:nvPicPr>
-        <p:blipFill>
-          <a:blip r:embed="rId3">
-            <a:extLst>
-              <a:ext uri="{28A0092B-C50C-407E-A947-70E740481C1C}">
-                <a14:useLocalDpi xmlns:a14="http://schemas.microsoft.com/office/drawing/2010/main" val="0"/>
-              </a:ext>
-            </a:extLst>
-          </a:blip>
-          <a:stretch>
-            <a:fillRect/>
-          </a:stretch>
-        </p:blipFill>
-        <p:spPr>
-          <a:xfrm>
-            <a:off x="0" y="0"/>
-            <a:ext cx="12192000" cy="6858000"/>
-          </a:xfrm>
-          <a:prstGeom prst="rect">
-            <a:avLst/>
-          </a:prstGeom>
-        </p:spPr>
-      </p:pic>
-      <p:sp>
-        <p:nvSpPr>
-          <p:cNvPr id="12" name="CustomShape 1">
-            <a:extLst>
-              <a:ext uri="{FF2B5EF4-FFF2-40B4-BE49-F238E27FC236}">
-                <a16:creationId xmlns:a16="http://schemas.microsoft.com/office/drawing/2014/main" id="{E53DB8BD-B0C5-4CCD-A7CA-C068B3DDCD73}"/>
-              </a:ext>
-            </a:extLst>
-          </p:cNvPr>
-          <p:cNvSpPr/>
-          <p:nvPr/>
-        </p:nvSpPr>
-        <p:spPr>
-          <a:xfrm>
-            <a:off x="504000" y="6479280"/>
-            <a:ext cx="11127240" cy="717120"/>
-          </a:xfrm>
-          <a:prstGeom prst="rect">
-            <a:avLst/>
-          </a:prstGeom>
-          <a:noFill/>
-          <a:ln>
-            <a:noFill/>
-          </a:ln>
-        </p:spPr>
-        <p:style>
-          <a:lnRef idx="0">
-            <a:scrgbClr r="0" g="0" b="0"/>
-          </a:lnRef>
-          <a:fillRef idx="0">
-            <a:scrgbClr r="0" g="0" b="0"/>
-          </a:fillRef>
-          <a:effectRef idx="0">
-            <a:scrgbClr r="0" g="0" b="0"/>
-          </a:effectRef>
-          <a:fontRef idx="minor"/>
-        </p:style>
-        <p:txBody>
-          <a:bodyPr lIns="90000" tIns="45000" rIns="90000" bIns="45000"/>
-          <a:lstStyle/>
+          <a:bodyPr lIns="90000" rIns="90000" tIns="45000" bIns="45000"/>
           <a:p>
             <a:pPr algn="ctr">
               <a:lnSpc>
@@ -2976,16 +2594,26 @@
               </a:lnSpc>
             </a:pPr>
             <a:r>
-              <a:rPr lang="pt-BR" sz="1500" b="1" strike="noStrike" spc="-1" dirty="0">
+              <a:rPr b="1" lang="pt-BR" sz="1500" spc="-1" strike="noStrike">
                 <a:solidFill>
-                  <a:srgbClr val="8DC641"/>
+                  <a:srgbClr val="8dc641"/>
                 </a:solidFill>
                 <a:latin typeface="Arial"/>
                 <a:ea typeface="Arial"/>
               </a:rPr>
-              <a:t> Fabio Vasques, Gieder Loreto</a:t>
+              <a:t> </a:t>
             </a:r>
-            <a:endParaRPr lang="pt-BR" sz="1500" b="0" strike="noStrike" spc="-1" dirty="0">
+            <a:r>
+              <a:rPr b="1" lang="pt-BR" sz="1500" spc="-1" strike="noStrike">
+                <a:solidFill>
+                  <a:srgbClr val="8dc641"/>
+                </a:solidFill>
+                <a:latin typeface="Arial"/>
+                <a:ea typeface="Arial"/>
+              </a:rPr>
+              <a:t>Fabio Vasques, Gieder Loreto</a:t>
+            </a:r>
+            <a:endParaRPr b="0" lang="pt-BR" sz="1500" spc="-1" strike="noStrike">
               <a:latin typeface="Arial"/>
             </a:endParaRPr>
           </a:p>
@@ -2993,18 +2621,18 @@
       </p:sp>
       <p:pic>
         <p:nvPicPr>
-          <p:cNvPr id="48" name="Google Shape;89;p13"/>
+          <p:cNvPr id="55" name="Google Shape;89;p13" descr=""/>
           <p:cNvPicPr/>
           <p:nvPr/>
         </p:nvPicPr>
         <p:blipFill>
-          <a:blip r:embed="rId4"/>
+          <a:blip r:embed="rId3"/>
           <a:stretch/>
         </p:blipFill>
         <p:spPr>
           <a:xfrm>
             <a:off x="10561680" y="0"/>
-            <a:ext cx="1080360" cy="2504160"/>
+            <a:ext cx="1080000" cy="2503800"/>
           </a:xfrm>
           <a:prstGeom prst="rect">
             <a:avLst/>
@@ -3016,25 +2644,22 @@
       </p:pic>
     </p:spTree>
   </p:cSld>
-  <p:clrMapOvr>
-    <a:masterClrMapping/>
-  </p:clrMapOvr>
   <p:timing>
     <p:tnLst>
       <p:par>
-        <p:cTn id="1" dur="indefinite" restart="never" nodeType="tmRoot">
+        <p:cTn id="7" dur="indefinite" restart="never" nodeType="tmRoot">
           <p:childTnLst>
             <p:seq>
-              <p:cTn id="2" dur="indefinite" nodeType="mainSeq"/>
+              <p:cTn id="8" dur="indefinite" nodeType="mainSeq"/>
               <p:prevCondLst>
-                <p:cond evt="onPrev" delay="0">
+                <p:cond delay="0" evt="onPrev">
                   <p:tgtEl>
                     <p:sldTgt/>
                   </p:tgtEl>
                 </p:cond>
               </p:prevCondLst>
               <p:nextCondLst>
-                <p:cond evt="onNext" delay="0">
+                <p:cond delay="0" evt="onNext">
                   <p:tgtEl>
                     <p:sldTgt/>
                   </p:tgtEl>
@@ -3050,14 +2675,13 @@
 </file>
 
 <file path=ppt/slides/slide5.xml><?xml version="1.0" encoding="utf-8"?>
-<p:sld xmlns:a="http://schemas.openxmlformats.org/drawingml/2006/main" xmlns:r="http://schemas.openxmlformats.org/officeDocument/2006/relationships" xmlns:p="http://schemas.openxmlformats.org/presentationml/2006/main">
+<p:sld xmlns:a="http://schemas.openxmlformats.org/drawingml/2006/main" xmlns:p="http://schemas.openxmlformats.org/presentationml/2006/main" xmlns:r="http://schemas.openxmlformats.org/officeDocument/2006/relationships" xmlns:p14="http://schemas.microsoft.com/office/powerpoint/2010/main" xmlns:p15="http://schemas.microsoft.com/office/powerpoint/2012/main" xmlns:mc="http://schemas.openxmlformats.org/markup-compatibility/2006">
   <p:cSld>
     <p:bg>
       <p:bgPr>
         <a:solidFill>
-          <a:srgbClr val="FFFFFF"/>
+          <a:srgbClr val="ffffff"/>
         </a:solidFill>
-        <a:effectLst/>
       </p:bgPr>
     </p:bg>
     <p:spTree>
@@ -3076,54 +2700,18 @@
       </p:grpSpPr>
       <p:pic>
         <p:nvPicPr>
-          <p:cNvPr id="3" name="Imagem 2">
-            <a:extLst>
-              <a:ext uri="{FF2B5EF4-FFF2-40B4-BE49-F238E27FC236}">
-                <a16:creationId xmlns:a16="http://schemas.microsoft.com/office/drawing/2014/main" id="{0D67FF1C-7B64-47B1-B5F0-809CB6609702}"/>
-              </a:ext>
-            </a:extLst>
-          </p:cNvPr>
-          <p:cNvPicPr>
-            <a:picLocks noChangeAspect="1"/>
-          </p:cNvPicPr>
-          <p:nvPr/>
-        </p:nvPicPr>
-        <p:blipFill>
-          <a:blip r:embed="rId2">
-            <a:extLst>
-              <a:ext uri="{28A0092B-C50C-407E-A947-70E740481C1C}">
-                <a14:useLocalDpi xmlns:a14="http://schemas.microsoft.com/office/drawing/2010/main" val="0"/>
-              </a:ext>
-            </a:extLst>
-          </a:blip>
-          <a:stretch>
-            <a:fillRect/>
-          </a:stretch>
-        </p:blipFill>
-        <p:spPr>
-          <a:xfrm>
-            <a:off x="104712" y="-1"/>
-            <a:ext cx="11929972" cy="6858001"/>
-          </a:xfrm>
-          <a:prstGeom prst="rect">
-            <a:avLst/>
-          </a:prstGeom>
-        </p:spPr>
-      </p:pic>
-      <p:pic>
-        <p:nvPicPr>
-          <p:cNvPr id="52" name="Google Shape;89;p13"/>
+          <p:cNvPr id="56" name="Imagem 2" descr=""/>
           <p:cNvPicPr/>
           <p:nvPr/>
         </p:nvPicPr>
         <p:blipFill>
-          <a:blip r:embed="rId3"/>
+          <a:blip r:embed="rId1"/>
           <a:stretch/>
         </p:blipFill>
         <p:spPr>
           <a:xfrm>
-            <a:off x="10561680" y="0"/>
-            <a:ext cx="1080360" cy="2504160"/>
+            <a:off x="104760" y="0"/>
+            <a:ext cx="11929680" cy="6857640"/>
           </a:xfrm>
           <a:prstGeom prst="rect">
             <a:avLst/>
@@ -3133,16 +2721,39 @@
           </a:ln>
         </p:spPr>
       </p:pic>
-      <p:sp>
-        <p:nvSpPr>
-          <p:cNvPr id="53" name="CustomShape 1"/>
+      <p:pic>
+        <p:nvPicPr>
+          <p:cNvPr id="57" name="Google Shape;89;p13" descr=""/>
+          <p:cNvPicPr/>
+          <p:nvPr/>
+        </p:nvPicPr>
+        <p:blipFill>
+          <a:blip r:embed="rId2"/>
+          <a:stretch/>
+        </p:blipFill>
+        <p:spPr>
+          <a:xfrm>
+            <a:off x="10561680" y="0"/>
+            <a:ext cx="1080000" cy="2503800"/>
+          </a:xfrm>
+          <a:prstGeom prst="rect">
+            <a:avLst/>
+          </a:prstGeom>
+          <a:ln>
+            <a:noFill/>
+          </a:ln>
+        </p:spPr>
+      </p:pic>
+      <p:sp>
+        <p:nvSpPr>
+          <p:cNvPr id="58" name="CustomShape 1"/>
           <p:cNvSpPr/>
           <p:nvPr/>
         </p:nvSpPr>
         <p:spPr>
           <a:xfrm>
             <a:off x="504000" y="6479280"/>
-            <a:ext cx="11127240" cy="717120"/>
+            <a:ext cx="11126880" cy="716760"/>
           </a:xfrm>
           <a:prstGeom prst="rect">
             <a:avLst/>
@@ -3153,20 +2764,13 @@
           </a:ln>
         </p:spPr>
         <p:style>
-          <a:lnRef idx="0">
-            <a:scrgbClr r="0" g="0" b="0"/>
-          </a:lnRef>
-          <a:fillRef idx="0">
-            <a:scrgbClr r="0" g="0" b="0"/>
-          </a:fillRef>
-          <a:effectRef idx="0">
-            <a:scrgbClr r="0" g="0" b="0"/>
-          </a:effectRef>
+          <a:lnRef idx="0"/>
+          <a:fillRef idx="0"/>
+          <a:effectRef idx="0"/>
           <a:fontRef idx="minor"/>
         </p:style>
         <p:txBody>
-          <a:bodyPr lIns="90000" tIns="45000" rIns="90000" bIns="45000"/>
-          <a:lstStyle/>
+          <a:bodyPr lIns="90000" rIns="90000" tIns="45000" bIns="45000"/>
           <a:p>
             <a:pPr algn="ctr">
               <a:lnSpc>
@@ -3174,16 +2778,26 @@
               </a:lnSpc>
             </a:pPr>
             <a:r>
-              <a:rPr lang="pt-BR" sz="1500" b="1" strike="noStrike" spc="-1" dirty="0">
+              <a:rPr b="1" lang="pt-BR" sz="1500" spc="-1" strike="noStrike">
                 <a:solidFill>
-                  <a:srgbClr val="8DC641"/>
+                  <a:srgbClr val="8dc641"/>
                 </a:solidFill>
                 <a:latin typeface="Arial"/>
                 <a:ea typeface="Arial"/>
               </a:rPr>
-              <a:t> Fabio Vasques, Gieder Loreto</a:t>
+              <a:t> </a:t>
             </a:r>
-            <a:endParaRPr lang="pt-BR" sz="1500" b="0" strike="noStrike" spc="-1" dirty="0">
+            <a:r>
+              <a:rPr b="1" lang="pt-BR" sz="1500" spc="-1" strike="noStrike">
+                <a:solidFill>
+                  <a:srgbClr val="8dc641"/>
+                </a:solidFill>
+                <a:latin typeface="Arial"/>
+                <a:ea typeface="Arial"/>
+              </a:rPr>
+              <a:t>Fabio Vasques, Gieder Loreto</a:t>
+            </a:r>
+            <a:endParaRPr b="0" lang="pt-BR" sz="1500" spc="-1" strike="noStrike">
               <a:latin typeface="Arial"/>
             </a:endParaRPr>
           </a:p>
@@ -3191,25 +2805,22 @@
       </p:sp>
     </p:spTree>
   </p:cSld>
-  <p:clrMapOvr>
-    <a:masterClrMapping/>
-  </p:clrMapOvr>
   <p:timing>
     <p:tnLst>
       <p:par>
-        <p:cTn id="1" dur="indefinite" restart="never" nodeType="tmRoot">
+        <p:cTn id="9" dur="indefinite" restart="never" nodeType="tmRoot">
           <p:childTnLst>
             <p:seq>
-              <p:cTn id="2" dur="indefinite" nodeType="mainSeq"/>
+              <p:cTn id="10" dur="indefinite" nodeType="mainSeq"/>
               <p:prevCondLst>
-                <p:cond evt="onPrev" delay="0">
+                <p:cond delay="0" evt="onPrev">
                   <p:tgtEl>
                     <p:sldTgt/>
                   </p:tgtEl>
                 </p:cond>
               </p:prevCondLst>
               <p:nextCondLst>
-                <p:cond evt="onNext" delay="0">
+                <p:cond delay="0" evt="onNext">
                   <p:tgtEl>
                     <p:sldTgt/>
                   </p:tgtEl>
@@ -3225,14 +2836,13 @@
 </file>
 
 <file path=ppt/slides/slide6.xml><?xml version="1.0" encoding="utf-8"?>
-<p:sld xmlns:a="http://schemas.openxmlformats.org/drawingml/2006/main" xmlns:r="http://schemas.openxmlformats.org/officeDocument/2006/relationships" xmlns:p="http://schemas.openxmlformats.org/presentationml/2006/main">
+<p:sld xmlns:a="http://schemas.openxmlformats.org/drawingml/2006/main" xmlns:p="http://schemas.openxmlformats.org/presentationml/2006/main" xmlns:r="http://schemas.openxmlformats.org/officeDocument/2006/relationships" xmlns:p14="http://schemas.microsoft.com/office/powerpoint/2010/main" xmlns:p15="http://schemas.microsoft.com/office/powerpoint/2012/main" xmlns:mc="http://schemas.openxmlformats.org/markup-compatibility/2006">
   <p:cSld>
     <p:bg>
       <p:bgPr>
         <a:solidFill>
-          <a:srgbClr val="FFFFFF"/>
+          <a:srgbClr val="ffffff"/>
         </a:solidFill>
-        <a:effectLst/>
       </p:bgPr>
     </p:bg>
     <p:spTree>
@@ -3251,14 +2861,14 @@
       </p:grpSpPr>
       <p:sp>
         <p:nvSpPr>
-          <p:cNvPr id="54" name="CustomShape 2"/>
+          <p:cNvPr id="59" name="CustomShape 1"/>
           <p:cNvSpPr/>
           <p:nvPr/>
         </p:nvSpPr>
         <p:spPr>
           <a:xfrm rot="16200000">
-            <a:off x="-4416840" y="2727000"/>
-            <a:ext cx="10610640" cy="676800"/>
+            <a:off x="-4416480" y="2727360"/>
+            <a:ext cx="10610280" cy="676440"/>
           </a:xfrm>
           <a:prstGeom prst="rect">
             <a:avLst/>
@@ -3269,20 +2879,13 @@
           </a:ln>
         </p:spPr>
         <p:style>
-          <a:lnRef idx="0">
-            <a:scrgbClr r="0" g="0" b="0"/>
-          </a:lnRef>
-          <a:fillRef idx="0">
-            <a:scrgbClr r="0" g="0" b="0"/>
-          </a:fillRef>
-          <a:effectRef idx="0">
-            <a:scrgbClr r="0" g="0" b="0"/>
-          </a:effectRef>
+          <a:lnRef idx="0"/>
+          <a:fillRef idx="0"/>
+          <a:effectRef idx="0"/>
           <a:fontRef idx="minor"/>
         </p:style>
         <p:txBody>
-          <a:bodyPr lIns="0" tIns="0" rIns="0" bIns="0" anchor="ctr"/>
-          <a:lstStyle/>
+          <a:bodyPr lIns="0" rIns="0" tIns="0" bIns="0" anchor="ctr"/>
           <a:p>
             <a:pPr algn="ctr">
               <a:lnSpc>
@@ -3290,16 +2893,16 @@
               </a:lnSpc>
             </a:pPr>
             <a:r>
-              <a:rPr lang="pt-BR" sz="1800" b="1" strike="noStrike" spc="-1">
+              <a:rPr b="1" lang="pt-BR" sz="1800" spc="-1" strike="noStrike">
                 <a:solidFill>
-                  <a:srgbClr val="8DC641"/>
+                  <a:srgbClr val="8dc641"/>
                 </a:solidFill>
                 <a:latin typeface="Arial"/>
                 <a:ea typeface="Arial"/>
               </a:rPr>
               <a:t>Diagrama Classe</a:t>
             </a:r>
-            <a:endParaRPr lang="pt-BR" sz="1800" b="0" strike="noStrike" spc="-1">
+            <a:endParaRPr b="0" lang="pt-BR" sz="1800" spc="-1" strike="noStrike">
               <a:latin typeface="Arial"/>
             </a:endParaRPr>
           </a:p>
@@ -3307,50 +2910,37 @@
       </p:sp>
       <p:pic>
         <p:nvPicPr>
-          <p:cNvPr id="3" name="Imagem 2">
-            <a:extLst>
-              <a:ext uri="{FF2B5EF4-FFF2-40B4-BE49-F238E27FC236}">
-                <a16:creationId xmlns:a16="http://schemas.microsoft.com/office/drawing/2014/main" id="{5C1EED54-707F-43F8-B196-4D93B38FEBE5}"/>
-              </a:ext>
-            </a:extLst>
-          </p:cNvPr>
-          <p:cNvPicPr>
-            <a:picLocks noChangeAspect="1"/>
-          </p:cNvPicPr>
+          <p:cNvPr id="60" name="Imagem 2" descr=""/>
+          <p:cNvPicPr/>
           <p:nvPr/>
         </p:nvPicPr>
         <p:blipFill>
-          <a:blip r:embed="rId2">
-            <a:extLst>
-              <a:ext uri="{28A0092B-C50C-407E-A947-70E740481C1C}">
-                <a14:useLocalDpi xmlns:a14="http://schemas.microsoft.com/office/drawing/2010/main" val="0"/>
-              </a:ext>
-            </a:extLst>
-          </a:blip>
-          <a:stretch>
-            <a:fillRect/>
-          </a:stretch>
+          <a:blip r:embed="rId1"/>
+          <a:stretch/>
         </p:blipFill>
         <p:spPr>
           <a:xfrm>
             <a:off x="0" y="0"/>
-            <a:ext cx="12192000" cy="6858000"/>
-          </a:xfrm>
-          <a:prstGeom prst="rect">
-            <a:avLst/>
-          </a:prstGeom>
+            <a:ext cx="12191760" cy="6857640"/>
+          </a:xfrm>
+          <a:prstGeom prst="rect">
+            <a:avLst/>
+          </a:prstGeom>
+          <a:ln>
+            <a:noFill/>
+          </a:ln>
         </p:spPr>
       </p:pic>
       <p:sp>
         <p:nvSpPr>
-          <p:cNvPr id="53" name="CustomShape 1"/>
+          <p:cNvPr id="61" name="CustomShape 2"/>
           <p:cNvSpPr/>
           <p:nvPr/>
         </p:nvSpPr>
         <p:spPr>
           <a:xfrm>
             <a:off x="504000" y="6479280"/>
-            <a:ext cx="11127240" cy="717120"/>
+            <a:ext cx="11126880" cy="716760"/>
           </a:xfrm>
           <a:prstGeom prst="rect">
             <a:avLst/>
@@ -3361,20 +2951,13 @@
           </a:ln>
         </p:spPr>
         <p:style>
-          <a:lnRef idx="0">
-            <a:scrgbClr r="0" g="0" b="0"/>
-          </a:lnRef>
-          <a:fillRef idx="0">
-            <a:scrgbClr r="0" g="0" b="0"/>
-          </a:fillRef>
-          <a:effectRef idx="0">
-            <a:scrgbClr r="0" g="0" b="0"/>
-          </a:effectRef>
+          <a:lnRef idx="0"/>
+          <a:fillRef idx="0"/>
+          <a:effectRef idx="0"/>
           <a:fontRef idx="minor"/>
         </p:style>
         <p:txBody>
-          <a:bodyPr lIns="90000" tIns="45000" rIns="90000" bIns="45000"/>
-          <a:lstStyle/>
+          <a:bodyPr lIns="90000" rIns="90000" tIns="45000" bIns="45000"/>
           <a:p>
             <a:pPr algn="ctr">
               <a:lnSpc>
@@ -3382,16 +2965,26 @@
               </a:lnSpc>
             </a:pPr>
             <a:r>
-              <a:rPr lang="pt-BR" sz="1500" b="1" strike="noStrike" spc="-1" dirty="0">
+              <a:rPr b="1" lang="pt-BR" sz="1500" spc="-1" strike="noStrike">
                 <a:solidFill>
-                  <a:srgbClr val="8DC641"/>
+                  <a:srgbClr val="8dc641"/>
                 </a:solidFill>
                 <a:latin typeface="Arial"/>
                 <a:ea typeface="Arial"/>
               </a:rPr>
-              <a:t> Fabio Vasques, Gieder Loreto</a:t>
+              <a:t> </a:t>
             </a:r>
-            <a:endParaRPr lang="pt-BR" sz="1500" b="0" strike="noStrike" spc="-1" dirty="0">
+            <a:r>
+              <a:rPr b="1" lang="pt-BR" sz="1500" spc="-1" strike="noStrike">
+                <a:solidFill>
+                  <a:srgbClr val="8dc641"/>
+                </a:solidFill>
+                <a:latin typeface="Arial"/>
+                <a:ea typeface="Arial"/>
+              </a:rPr>
+              <a:t>Fabio Vasques, Gieder Loreto</a:t>
+            </a:r>
+            <a:endParaRPr b="0" lang="pt-BR" sz="1500" spc="-1" strike="noStrike">
               <a:latin typeface="Arial"/>
             </a:endParaRPr>
           </a:p>
@@ -3399,18 +2992,18 @@
       </p:sp>
       <p:pic>
         <p:nvPicPr>
-          <p:cNvPr id="52" name="Google Shape;89;p13"/>
+          <p:cNvPr id="62" name="Google Shape;89;p13" descr=""/>
           <p:cNvPicPr/>
           <p:nvPr/>
         </p:nvPicPr>
         <p:blipFill>
-          <a:blip r:embed="rId3"/>
+          <a:blip r:embed="rId2"/>
           <a:stretch/>
         </p:blipFill>
         <p:spPr>
           <a:xfrm>
             <a:off x="10561680" y="0"/>
-            <a:ext cx="1080360" cy="2504160"/>
+            <a:ext cx="1080000" cy="2503800"/>
           </a:xfrm>
           <a:prstGeom prst="rect">
             <a:avLst/>
@@ -3421,31 +3014,23 @@
         </p:spPr>
       </p:pic>
     </p:spTree>
-    <p:extLst>
-      <p:ext uri="{BB962C8B-B14F-4D97-AF65-F5344CB8AC3E}">
-        <p14:creationId xmlns:p14="http://schemas.microsoft.com/office/powerpoint/2010/main" val="4137282685"/>
-      </p:ext>
-    </p:extLst>
   </p:cSld>
-  <p:clrMapOvr>
-    <a:masterClrMapping/>
-  </p:clrMapOvr>
   <p:timing>
     <p:tnLst>
       <p:par>
-        <p:cTn id="1" dur="indefinite" restart="never" nodeType="tmRoot">
+        <p:cTn id="11" dur="indefinite" restart="never" nodeType="tmRoot">
           <p:childTnLst>
             <p:seq>
-              <p:cTn id="2" dur="indefinite" nodeType="mainSeq"/>
+              <p:cTn id="12" dur="indefinite" nodeType="mainSeq"/>
               <p:prevCondLst>
-                <p:cond evt="onPrev" delay="0">
+                <p:cond delay="0" evt="onPrev">
                   <p:tgtEl>
                     <p:sldTgt/>
                   </p:tgtEl>
                 </p:cond>
               </p:prevCondLst>
               <p:nextCondLst>
-                <p:cond evt="onNext" delay="0">
+                <p:cond delay="0" evt="onNext">
                   <p:tgtEl>
                     <p:sldTgt/>
                   </p:tgtEl>
@@ -3461,14 +3046,13 @@
 </file>
 
 <file path=ppt/slides/slide7.xml><?xml version="1.0" encoding="utf-8"?>
-<p:sld xmlns:a="http://schemas.openxmlformats.org/drawingml/2006/main" xmlns:r="http://schemas.openxmlformats.org/officeDocument/2006/relationships" xmlns:p="http://schemas.openxmlformats.org/presentationml/2006/main">
+<p:sld xmlns:a="http://schemas.openxmlformats.org/drawingml/2006/main" xmlns:p="http://schemas.openxmlformats.org/presentationml/2006/main" xmlns:r="http://schemas.openxmlformats.org/officeDocument/2006/relationships" xmlns:p14="http://schemas.microsoft.com/office/powerpoint/2010/main" xmlns:p15="http://schemas.microsoft.com/office/powerpoint/2012/main" xmlns:mc="http://schemas.openxmlformats.org/markup-compatibility/2006">
   <p:cSld>
     <p:bg>
       <p:bgPr>
         <a:solidFill>
-          <a:srgbClr val="FFFFFF"/>
+          <a:srgbClr val="ffffff"/>
         </a:solidFill>
-        <a:effectLst/>
       </p:bgPr>
     </p:bg>
     <p:spTree>
@@ -3487,14 +3071,14 @@
       </p:grpSpPr>
       <p:sp>
         <p:nvSpPr>
-          <p:cNvPr id="54" name="CustomShape 2"/>
+          <p:cNvPr id="63" name="CustomShape 1"/>
           <p:cNvSpPr/>
           <p:nvPr/>
         </p:nvSpPr>
         <p:spPr>
           <a:xfrm rot="16200000">
-            <a:off x="-4416840" y="2727000"/>
-            <a:ext cx="10610640" cy="676800"/>
+            <a:off x="-4416480" y="2727360"/>
+            <a:ext cx="10610280" cy="676440"/>
           </a:xfrm>
           <a:prstGeom prst="rect">
             <a:avLst/>
@@ -3505,20 +3089,13 @@
           </a:ln>
         </p:spPr>
         <p:style>
-          <a:lnRef idx="0">
-            <a:scrgbClr r="0" g="0" b="0"/>
-          </a:lnRef>
-          <a:fillRef idx="0">
-            <a:scrgbClr r="0" g="0" b="0"/>
-          </a:fillRef>
-          <a:effectRef idx="0">
-            <a:scrgbClr r="0" g="0" b="0"/>
-          </a:effectRef>
+          <a:lnRef idx="0"/>
+          <a:fillRef idx="0"/>
+          <a:effectRef idx="0"/>
           <a:fontRef idx="minor"/>
         </p:style>
         <p:txBody>
-          <a:bodyPr lIns="0" tIns="0" rIns="0" bIns="0" anchor="ctr"/>
-          <a:lstStyle/>
+          <a:bodyPr lIns="0" rIns="0" tIns="0" bIns="0" anchor="ctr"/>
           <a:p>
             <a:pPr algn="ctr">
               <a:lnSpc>
@@ -3526,16 +3103,16 @@
               </a:lnSpc>
             </a:pPr>
             <a:r>
-              <a:rPr lang="pt-BR" sz="1800" b="1" strike="noStrike" spc="-1">
+              <a:rPr b="1" lang="pt-BR" sz="1800" spc="-1" strike="noStrike">
                 <a:solidFill>
-                  <a:srgbClr val="8DC641"/>
+                  <a:srgbClr val="8dc641"/>
                 </a:solidFill>
                 <a:latin typeface="Arial"/>
                 <a:ea typeface="Arial"/>
               </a:rPr>
               <a:t>Diagrama Classe</a:t>
             </a:r>
-            <a:endParaRPr lang="pt-BR" sz="1800" b="0" strike="noStrike" spc="-1">
+            <a:endParaRPr b="0" lang="pt-BR" sz="1800" spc="-1" strike="noStrike">
               <a:latin typeface="Arial"/>
             </a:endParaRPr>
           </a:p>
@@ -3543,50 +3120,37 @@
       </p:sp>
       <p:pic>
         <p:nvPicPr>
-          <p:cNvPr id="3" name="Imagem 2">
-            <a:extLst>
-              <a:ext uri="{FF2B5EF4-FFF2-40B4-BE49-F238E27FC236}">
-                <a16:creationId xmlns:a16="http://schemas.microsoft.com/office/drawing/2014/main" id="{C08F9F5D-B7E3-4803-B104-2D43DF344A36}"/>
-              </a:ext>
-            </a:extLst>
-          </p:cNvPr>
-          <p:cNvPicPr>
-            <a:picLocks noChangeAspect="1"/>
-          </p:cNvPicPr>
+          <p:cNvPr id="64" name="Imagem 2" descr=""/>
+          <p:cNvPicPr/>
           <p:nvPr/>
         </p:nvPicPr>
         <p:blipFill>
-          <a:blip r:embed="rId2">
-            <a:extLst>
-              <a:ext uri="{28A0092B-C50C-407E-A947-70E740481C1C}">
-                <a14:useLocalDpi xmlns:a14="http://schemas.microsoft.com/office/drawing/2010/main" val="0"/>
-              </a:ext>
-            </a:extLst>
-          </a:blip>
-          <a:stretch>
-            <a:fillRect/>
-          </a:stretch>
+          <a:blip r:embed="rId1"/>
+          <a:stretch/>
         </p:blipFill>
         <p:spPr>
           <a:xfrm>
-            <a:off x="84278" y="0"/>
-            <a:ext cx="12107722" cy="6857999"/>
-          </a:xfrm>
-          <a:prstGeom prst="rect">
-            <a:avLst/>
-          </a:prstGeom>
+            <a:off x="84240" y="0"/>
+            <a:ext cx="12107520" cy="6857640"/>
+          </a:xfrm>
+          <a:prstGeom prst="rect">
+            <a:avLst/>
+          </a:prstGeom>
+          <a:ln>
+            <a:noFill/>
+          </a:ln>
         </p:spPr>
       </p:pic>
       <p:sp>
         <p:nvSpPr>
-          <p:cNvPr id="53" name="CustomShape 1"/>
+          <p:cNvPr id="65" name="CustomShape 2"/>
           <p:cNvSpPr/>
           <p:nvPr/>
         </p:nvSpPr>
         <p:spPr>
           <a:xfrm>
             <a:off x="504000" y="6479280"/>
-            <a:ext cx="11127240" cy="717120"/>
+            <a:ext cx="11126880" cy="716760"/>
           </a:xfrm>
           <a:prstGeom prst="rect">
             <a:avLst/>
@@ -3597,20 +3161,13 @@
           </a:ln>
         </p:spPr>
         <p:style>
-          <a:lnRef idx="0">
-            <a:scrgbClr r="0" g="0" b="0"/>
-          </a:lnRef>
-          <a:fillRef idx="0">
-            <a:scrgbClr r="0" g="0" b="0"/>
-          </a:fillRef>
-          <a:effectRef idx="0">
-            <a:scrgbClr r="0" g="0" b="0"/>
-          </a:effectRef>
+          <a:lnRef idx="0"/>
+          <a:fillRef idx="0"/>
+          <a:effectRef idx="0"/>
           <a:fontRef idx="minor"/>
         </p:style>
         <p:txBody>
-          <a:bodyPr lIns="90000" tIns="45000" rIns="90000" bIns="45000"/>
-          <a:lstStyle/>
+          <a:bodyPr lIns="90000" rIns="90000" tIns="45000" bIns="45000"/>
           <a:p>
             <a:pPr algn="ctr">
               <a:lnSpc>
@@ -3618,16 +3175,26 @@
               </a:lnSpc>
             </a:pPr>
             <a:r>
-              <a:rPr lang="pt-BR" sz="1500" b="1" strike="noStrike" spc="-1" dirty="0">
+              <a:rPr b="1" lang="pt-BR" sz="1500" spc="-1" strike="noStrike">
                 <a:solidFill>
-                  <a:srgbClr val="8DC641"/>
+                  <a:srgbClr val="8dc641"/>
                 </a:solidFill>
                 <a:latin typeface="Arial"/>
                 <a:ea typeface="Arial"/>
               </a:rPr>
-              <a:t> Fabio Vasques, Gieder Loreto</a:t>
+              <a:t> </a:t>
             </a:r>
-            <a:endParaRPr lang="pt-BR" sz="1500" b="0" strike="noStrike" spc="-1" dirty="0">
+            <a:r>
+              <a:rPr b="1" lang="pt-BR" sz="1500" spc="-1" strike="noStrike">
+                <a:solidFill>
+                  <a:srgbClr val="8dc641"/>
+                </a:solidFill>
+                <a:latin typeface="Arial"/>
+                <a:ea typeface="Arial"/>
+              </a:rPr>
+              <a:t>Fabio Vasques, Gieder Loreto</a:t>
+            </a:r>
+            <a:endParaRPr b="0" lang="pt-BR" sz="1500" spc="-1" strike="noStrike">
               <a:latin typeface="Arial"/>
             </a:endParaRPr>
           </a:p>
@@ -3635,18 +3202,18 @@
       </p:sp>
       <p:pic>
         <p:nvPicPr>
-          <p:cNvPr id="52" name="Google Shape;89;p13"/>
+          <p:cNvPr id="66" name="Google Shape;89;p13" descr=""/>
           <p:cNvPicPr/>
           <p:nvPr/>
         </p:nvPicPr>
         <p:blipFill>
-          <a:blip r:embed="rId3"/>
+          <a:blip r:embed="rId2"/>
           <a:stretch/>
         </p:blipFill>
         <p:spPr>
           <a:xfrm>
             <a:off x="10561680" y="0"/>
-            <a:ext cx="1080360" cy="2504160"/>
+            <a:ext cx="1080000" cy="2503800"/>
           </a:xfrm>
           <a:prstGeom prst="rect">
             <a:avLst/>
@@ -3657,31 +3224,23 @@
         </p:spPr>
       </p:pic>
     </p:spTree>
-    <p:extLst>
-      <p:ext uri="{BB962C8B-B14F-4D97-AF65-F5344CB8AC3E}">
-        <p14:creationId xmlns:p14="http://schemas.microsoft.com/office/powerpoint/2010/main" val="1855662297"/>
-      </p:ext>
-    </p:extLst>
   </p:cSld>
-  <p:clrMapOvr>
-    <a:masterClrMapping/>
-  </p:clrMapOvr>
   <p:timing>
     <p:tnLst>
       <p:par>
-        <p:cTn id="1" dur="indefinite" restart="never" nodeType="tmRoot">
+        <p:cTn id="13" dur="indefinite" restart="never" nodeType="tmRoot">
           <p:childTnLst>
             <p:seq>
-              <p:cTn id="2" dur="indefinite" nodeType="mainSeq"/>
+              <p:cTn id="14" dur="indefinite" nodeType="mainSeq"/>
               <p:prevCondLst>
-                <p:cond evt="onPrev" delay="0">
+                <p:cond delay="0" evt="onPrev">
                   <p:tgtEl>
                     <p:sldTgt/>
                   </p:tgtEl>
                 </p:cond>
               </p:prevCondLst>
               <p:nextCondLst>
-                <p:cond evt="onNext" delay="0">
+                <p:cond delay="0" evt="onNext">
                   <p:tgtEl>
                     <p:sldTgt/>
                   </p:tgtEl>
@@ -3707,22 +3266,22 @@
         <a:sysClr val="window" lastClr="FFFFFF"/>
       </a:lt1>
       <a:dk2>
-        <a:srgbClr val="6A7887"/>
+        <a:srgbClr val="6a7887"/>
       </a:dk2>
       <a:lt2>
-        <a:srgbClr val="E7E6E6"/>
+        <a:srgbClr val="e7e6e6"/>
       </a:lt2>
       <a:accent1>
-        <a:srgbClr val="1D9A78"/>
+        <a:srgbClr val="1d9a78"/>
       </a:accent1>
       <a:accent2>
-        <a:srgbClr val="7BC68E"/>
+        <a:srgbClr val="7bc68e"/>
       </a:accent2>
       <a:accent3>
-        <a:srgbClr val="3F3F3F"/>
+        <a:srgbClr val="3f3f3f"/>
       </a:accent3>
       <a:accent4>
-        <a:srgbClr val="3F3F3F"/>
+        <a:srgbClr val="3f3f3f"/>
       </a:accent4>
       <a:accent5>
         <a:srgbClr val="595959"/>
@@ -3916,7 +3475,5 @@
       </a:bgFillStyleLst>
     </a:fmtScheme>
   </a:themeElements>
-  <a:objectDefaults/>
-  <a:extraClrSchemeLst/>
 </a:theme>
 </file>
--- a/quarta entrega/Quarta entrega.pptx
+++ b/quarta entrega/Quarta entrega.pptx
@@ -79,10 +79,8 @@
         <p:txBody>
           <a:bodyPr lIns="0" rIns="0" tIns="0" bIns="0" anchor="ctr"/>
           <a:p>
-            <a:endParaRPr b="0" lang="pt-BR" sz="1800" spc="-1" strike="noStrike">
-              <a:solidFill>
-                <a:srgbClr val="000000"/>
-              </a:solidFill>
+            <a:pPr algn="ctr"/>
+            <a:endParaRPr b="0" lang="pt-BR" sz="4400" spc="-1" strike="noStrike">
               <a:latin typeface="Arial"/>
             </a:endParaRPr>
           </a:p>
@@ -112,10 +110,7 @@
             <a:normAutofit/>
           </a:bodyPr>
           <a:p>
-            <a:endParaRPr b="0" lang="pt-BR" sz="2800" spc="-1" strike="noStrike">
-              <a:solidFill>
-                <a:srgbClr val="000000"/>
-              </a:solidFill>
+            <a:endParaRPr b="0" lang="pt-BR" sz="3200" spc="-1" strike="noStrike">
               <a:latin typeface="Arial"/>
             </a:endParaRPr>
           </a:p>
@@ -145,10 +140,7 @@
             <a:normAutofit/>
           </a:bodyPr>
           <a:p>
-            <a:endParaRPr b="0" lang="pt-BR" sz="2800" spc="-1" strike="noStrike">
-              <a:solidFill>
-                <a:srgbClr val="000000"/>
-              </a:solidFill>
+            <a:endParaRPr b="0" lang="pt-BR" sz="3200" spc="-1" strike="noStrike">
               <a:latin typeface="Arial"/>
             </a:endParaRPr>
           </a:p>
@@ -198,10 +190,8 @@
         <p:txBody>
           <a:bodyPr lIns="0" rIns="0" tIns="0" bIns="0" anchor="ctr"/>
           <a:p>
-            <a:endParaRPr b="0" lang="pt-BR" sz="1800" spc="-1" strike="noStrike">
-              <a:solidFill>
-                <a:srgbClr val="000000"/>
-              </a:solidFill>
+            <a:pPr algn="ctr"/>
+            <a:endParaRPr b="0" lang="pt-BR" sz="4400" spc="-1" strike="noStrike">
               <a:latin typeface="Arial"/>
             </a:endParaRPr>
           </a:p>
@@ -231,10 +221,7 @@
             <a:normAutofit/>
           </a:bodyPr>
           <a:p>
-            <a:endParaRPr b="0" lang="pt-BR" sz="2800" spc="-1" strike="noStrike">
-              <a:solidFill>
-                <a:srgbClr val="000000"/>
-              </a:solidFill>
+            <a:endParaRPr b="0" lang="pt-BR" sz="3200" spc="-1" strike="noStrike">
               <a:latin typeface="Arial"/>
             </a:endParaRPr>
           </a:p>
@@ -264,10 +251,7 @@
             <a:normAutofit/>
           </a:bodyPr>
           <a:p>
-            <a:endParaRPr b="0" lang="pt-BR" sz="2800" spc="-1" strike="noStrike">
-              <a:solidFill>
-                <a:srgbClr val="000000"/>
-              </a:solidFill>
+            <a:endParaRPr b="0" lang="pt-BR" sz="3200" spc="-1" strike="noStrike">
               <a:latin typeface="Arial"/>
             </a:endParaRPr>
           </a:p>
@@ -297,10 +281,7 @@
             <a:normAutofit/>
           </a:bodyPr>
           <a:p>
-            <a:endParaRPr b="0" lang="pt-BR" sz="2800" spc="-1" strike="noStrike">
-              <a:solidFill>
-                <a:srgbClr val="000000"/>
-              </a:solidFill>
+            <a:endParaRPr b="0" lang="pt-BR" sz="3200" spc="-1" strike="noStrike">
               <a:latin typeface="Arial"/>
             </a:endParaRPr>
           </a:p>
@@ -330,10 +311,7 @@
             <a:normAutofit/>
           </a:bodyPr>
           <a:p>
-            <a:endParaRPr b="0" lang="pt-BR" sz="2800" spc="-1" strike="noStrike">
-              <a:solidFill>
-                <a:srgbClr val="000000"/>
-              </a:solidFill>
+            <a:endParaRPr b="0" lang="pt-BR" sz="3200" spc="-1" strike="noStrike">
               <a:latin typeface="Arial"/>
             </a:endParaRPr>
           </a:p>
@@ -383,10 +361,8 @@
         <p:txBody>
           <a:bodyPr lIns="0" rIns="0" tIns="0" bIns="0" anchor="ctr"/>
           <a:p>
-            <a:endParaRPr b="0" lang="pt-BR" sz="1800" spc="-1" strike="noStrike">
-              <a:solidFill>
-                <a:srgbClr val="000000"/>
-              </a:solidFill>
+            <a:pPr algn="ctr"/>
+            <a:endParaRPr b="0" lang="pt-BR" sz="4400" spc="-1" strike="noStrike">
               <a:latin typeface="Arial"/>
             </a:endParaRPr>
           </a:p>
@@ -416,10 +392,7 @@
             <a:normAutofit/>
           </a:bodyPr>
           <a:p>
-            <a:endParaRPr b="0" lang="pt-BR" sz="2800" spc="-1" strike="noStrike">
-              <a:solidFill>
-                <a:srgbClr val="000000"/>
-              </a:solidFill>
+            <a:endParaRPr b="0" lang="pt-BR" sz="3200" spc="-1" strike="noStrike">
               <a:latin typeface="Arial"/>
             </a:endParaRPr>
           </a:p>
@@ -449,10 +422,7 @@
             <a:normAutofit/>
           </a:bodyPr>
           <a:p>
-            <a:endParaRPr b="0" lang="pt-BR" sz="2800" spc="-1" strike="noStrike">
-              <a:solidFill>
-                <a:srgbClr val="000000"/>
-              </a:solidFill>
+            <a:endParaRPr b="0" lang="pt-BR" sz="3200" spc="-1" strike="noStrike">
               <a:latin typeface="Arial"/>
             </a:endParaRPr>
           </a:p>
@@ -482,10 +452,7 @@
             <a:normAutofit/>
           </a:bodyPr>
           <a:p>
-            <a:endParaRPr b="0" lang="pt-BR" sz="2800" spc="-1" strike="noStrike">
-              <a:solidFill>
-                <a:srgbClr val="000000"/>
-              </a:solidFill>
+            <a:endParaRPr b="0" lang="pt-BR" sz="3200" spc="-1" strike="noStrike">
               <a:latin typeface="Arial"/>
             </a:endParaRPr>
           </a:p>
@@ -515,10 +482,7 @@
             <a:normAutofit/>
           </a:bodyPr>
           <a:p>
-            <a:endParaRPr b="0" lang="pt-BR" sz="2800" spc="-1" strike="noStrike">
-              <a:solidFill>
-                <a:srgbClr val="000000"/>
-              </a:solidFill>
+            <a:endParaRPr b="0" lang="pt-BR" sz="3200" spc="-1" strike="noStrike">
               <a:latin typeface="Arial"/>
             </a:endParaRPr>
           </a:p>
@@ -548,10 +512,7 @@
             <a:normAutofit/>
           </a:bodyPr>
           <a:p>
-            <a:endParaRPr b="0" lang="pt-BR" sz="2800" spc="-1" strike="noStrike">
-              <a:solidFill>
-                <a:srgbClr val="000000"/>
-              </a:solidFill>
+            <a:endParaRPr b="0" lang="pt-BR" sz="3200" spc="-1" strike="noStrike">
               <a:latin typeface="Arial"/>
             </a:endParaRPr>
           </a:p>
@@ -581,10 +542,7 @@
             <a:normAutofit/>
           </a:bodyPr>
           <a:p>
-            <a:endParaRPr b="0" lang="pt-BR" sz="2800" spc="-1" strike="noStrike">
-              <a:solidFill>
-                <a:srgbClr val="000000"/>
-              </a:solidFill>
+            <a:endParaRPr b="0" lang="pt-BR" sz="3200" spc="-1" strike="noStrike">
               <a:latin typeface="Arial"/>
             </a:endParaRPr>
           </a:p>
@@ -634,10 +592,8 @@
         <p:txBody>
           <a:bodyPr lIns="0" rIns="0" tIns="0" bIns="0" anchor="ctr"/>
           <a:p>
-            <a:endParaRPr b="0" lang="pt-BR" sz="1800" spc="-1" strike="noStrike">
-              <a:solidFill>
-                <a:srgbClr val="000000"/>
-              </a:solidFill>
+            <a:pPr algn="ctr"/>
+            <a:endParaRPr b="0" lang="pt-BR" sz="4400" spc="-1" strike="noStrike">
               <a:latin typeface="Arial"/>
             </a:endParaRPr>
           </a:p>
@@ -716,10 +672,8 @@
         <p:txBody>
           <a:bodyPr lIns="0" rIns="0" tIns="0" bIns="0" anchor="ctr"/>
           <a:p>
-            <a:endParaRPr b="0" lang="pt-BR" sz="1800" spc="-1" strike="noStrike">
-              <a:solidFill>
-                <a:srgbClr val="000000"/>
-              </a:solidFill>
+            <a:pPr algn="ctr"/>
+            <a:endParaRPr b="0" lang="pt-BR" sz="4400" spc="-1" strike="noStrike">
               <a:latin typeface="Arial"/>
             </a:endParaRPr>
           </a:p>
@@ -749,10 +703,7 @@
             <a:normAutofit/>
           </a:bodyPr>
           <a:p>
-            <a:endParaRPr b="0" lang="pt-BR" sz="2800" spc="-1" strike="noStrike">
-              <a:solidFill>
-                <a:srgbClr val="000000"/>
-              </a:solidFill>
+            <a:endParaRPr b="0" lang="pt-BR" sz="3200" spc="-1" strike="noStrike">
               <a:latin typeface="Arial"/>
             </a:endParaRPr>
           </a:p>
@@ -802,10 +753,8 @@
         <p:txBody>
           <a:bodyPr lIns="0" rIns="0" tIns="0" bIns="0" anchor="ctr"/>
           <a:p>
-            <a:endParaRPr b="0" lang="pt-BR" sz="1800" spc="-1" strike="noStrike">
-              <a:solidFill>
-                <a:srgbClr val="000000"/>
-              </a:solidFill>
+            <a:pPr algn="ctr"/>
+            <a:endParaRPr b="0" lang="pt-BR" sz="4400" spc="-1" strike="noStrike">
               <a:latin typeface="Arial"/>
             </a:endParaRPr>
           </a:p>
@@ -835,10 +784,7 @@
             <a:normAutofit/>
           </a:bodyPr>
           <a:p>
-            <a:endParaRPr b="0" lang="pt-BR" sz="2800" spc="-1" strike="noStrike">
-              <a:solidFill>
-                <a:srgbClr val="000000"/>
-              </a:solidFill>
+            <a:endParaRPr b="0" lang="pt-BR" sz="3200" spc="-1" strike="noStrike">
               <a:latin typeface="Arial"/>
             </a:endParaRPr>
           </a:p>
@@ -868,10 +814,7 @@
             <a:normAutofit/>
           </a:bodyPr>
           <a:p>
-            <a:endParaRPr b="0" lang="pt-BR" sz="2800" spc="-1" strike="noStrike">
-              <a:solidFill>
-                <a:srgbClr val="000000"/>
-              </a:solidFill>
+            <a:endParaRPr b="0" lang="pt-BR" sz="3200" spc="-1" strike="noStrike">
               <a:latin typeface="Arial"/>
             </a:endParaRPr>
           </a:p>
@@ -921,10 +864,8 @@
         <p:txBody>
           <a:bodyPr lIns="0" rIns="0" tIns="0" bIns="0" anchor="ctr"/>
           <a:p>
-            <a:endParaRPr b="0" lang="pt-BR" sz="1800" spc="-1" strike="noStrike">
-              <a:solidFill>
-                <a:srgbClr val="000000"/>
-              </a:solidFill>
+            <a:pPr algn="ctr"/>
+            <a:endParaRPr b="0" lang="pt-BR" sz="4400" spc="-1" strike="noStrike">
               <a:latin typeface="Arial"/>
             </a:endParaRPr>
           </a:p>
@@ -1025,10 +966,8 @@
         <p:txBody>
           <a:bodyPr lIns="0" rIns="0" tIns="0" bIns="0" anchor="ctr"/>
           <a:p>
-            <a:endParaRPr b="0" lang="pt-BR" sz="1800" spc="-1" strike="noStrike">
-              <a:solidFill>
-                <a:srgbClr val="000000"/>
-              </a:solidFill>
+            <a:pPr algn="ctr"/>
+            <a:endParaRPr b="0" lang="pt-BR" sz="4400" spc="-1" strike="noStrike">
               <a:latin typeface="Arial"/>
             </a:endParaRPr>
           </a:p>
@@ -1058,10 +997,7 @@
             <a:normAutofit/>
           </a:bodyPr>
           <a:p>
-            <a:endParaRPr b="0" lang="pt-BR" sz="2800" spc="-1" strike="noStrike">
-              <a:solidFill>
-                <a:srgbClr val="000000"/>
-              </a:solidFill>
+            <a:endParaRPr b="0" lang="pt-BR" sz="3200" spc="-1" strike="noStrike">
               <a:latin typeface="Arial"/>
             </a:endParaRPr>
           </a:p>
@@ -1091,10 +1027,7 @@
             <a:normAutofit/>
           </a:bodyPr>
           <a:p>
-            <a:endParaRPr b="0" lang="pt-BR" sz="2800" spc="-1" strike="noStrike">
-              <a:solidFill>
-                <a:srgbClr val="000000"/>
-              </a:solidFill>
+            <a:endParaRPr b="0" lang="pt-BR" sz="3200" spc="-1" strike="noStrike">
               <a:latin typeface="Arial"/>
             </a:endParaRPr>
           </a:p>
@@ -1124,10 +1057,7 @@
             <a:normAutofit/>
           </a:bodyPr>
           <a:p>
-            <a:endParaRPr b="0" lang="pt-BR" sz="2800" spc="-1" strike="noStrike">
-              <a:solidFill>
-                <a:srgbClr val="000000"/>
-              </a:solidFill>
+            <a:endParaRPr b="0" lang="pt-BR" sz="3200" spc="-1" strike="noStrike">
               <a:latin typeface="Arial"/>
             </a:endParaRPr>
           </a:p>
@@ -1177,10 +1107,8 @@
         <p:txBody>
           <a:bodyPr lIns="0" rIns="0" tIns="0" bIns="0" anchor="ctr"/>
           <a:p>
-            <a:endParaRPr b="0" lang="pt-BR" sz="1800" spc="-1" strike="noStrike">
-              <a:solidFill>
-                <a:srgbClr val="000000"/>
-              </a:solidFill>
+            <a:pPr algn="ctr"/>
+            <a:endParaRPr b="0" lang="pt-BR" sz="4400" spc="-1" strike="noStrike">
               <a:latin typeface="Arial"/>
             </a:endParaRPr>
           </a:p>
@@ -1210,10 +1138,7 @@
             <a:normAutofit/>
           </a:bodyPr>
           <a:p>
-            <a:endParaRPr b="0" lang="pt-BR" sz="2800" spc="-1" strike="noStrike">
-              <a:solidFill>
-                <a:srgbClr val="000000"/>
-              </a:solidFill>
+            <a:endParaRPr b="0" lang="pt-BR" sz="3200" spc="-1" strike="noStrike">
               <a:latin typeface="Arial"/>
             </a:endParaRPr>
           </a:p>
@@ -1243,10 +1168,7 @@
             <a:normAutofit/>
           </a:bodyPr>
           <a:p>
-            <a:endParaRPr b="0" lang="pt-BR" sz="2800" spc="-1" strike="noStrike">
-              <a:solidFill>
-                <a:srgbClr val="000000"/>
-              </a:solidFill>
+            <a:endParaRPr b="0" lang="pt-BR" sz="3200" spc="-1" strike="noStrike">
               <a:latin typeface="Arial"/>
             </a:endParaRPr>
           </a:p>
@@ -1276,10 +1198,7 @@
             <a:normAutofit/>
           </a:bodyPr>
           <a:p>
-            <a:endParaRPr b="0" lang="pt-BR" sz="2800" spc="-1" strike="noStrike">
-              <a:solidFill>
-                <a:srgbClr val="000000"/>
-              </a:solidFill>
+            <a:endParaRPr b="0" lang="pt-BR" sz="3200" spc="-1" strike="noStrike">
               <a:latin typeface="Arial"/>
             </a:endParaRPr>
           </a:p>
@@ -1329,10 +1248,8 @@
         <p:txBody>
           <a:bodyPr lIns="0" rIns="0" tIns="0" bIns="0" anchor="ctr"/>
           <a:p>
-            <a:endParaRPr b="0" lang="pt-BR" sz="1800" spc="-1" strike="noStrike">
-              <a:solidFill>
-                <a:srgbClr val="000000"/>
-              </a:solidFill>
+            <a:pPr algn="ctr"/>
+            <a:endParaRPr b="0" lang="pt-BR" sz="4400" spc="-1" strike="noStrike">
               <a:latin typeface="Arial"/>
             </a:endParaRPr>
           </a:p>
@@ -1362,10 +1279,7 @@
             <a:normAutofit/>
           </a:bodyPr>
           <a:p>
-            <a:endParaRPr b="0" lang="pt-BR" sz="2800" spc="-1" strike="noStrike">
-              <a:solidFill>
-                <a:srgbClr val="000000"/>
-              </a:solidFill>
+            <a:endParaRPr b="0" lang="pt-BR" sz="3200" spc="-1" strike="noStrike">
               <a:latin typeface="Arial"/>
             </a:endParaRPr>
           </a:p>
@@ -1395,10 +1309,7 @@
             <a:normAutofit/>
           </a:bodyPr>
           <a:p>
-            <a:endParaRPr b="0" lang="pt-BR" sz="2800" spc="-1" strike="noStrike">
-              <a:solidFill>
-                <a:srgbClr val="000000"/>
-              </a:solidFill>
+            <a:endParaRPr b="0" lang="pt-BR" sz="3200" spc="-1" strike="noStrike">
               <a:latin typeface="Arial"/>
             </a:endParaRPr>
           </a:p>
@@ -1428,10 +1339,7 @@
             <a:normAutofit/>
           </a:bodyPr>
           <a:p>
-            <a:endParaRPr b="0" lang="pt-BR" sz="2800" spc="-1" strike="noStrike">
-              <a:solidFill>
-                <a:srgbClr val="000000"/>
-              </a:solidFill>
+            <a:endParaRPr b="0" lang="pt-BR" sz="3200" spc="-1" strike="noStrike">
               <a:latin typeface="Arial"/>
             </a:endParaRPr>
           </a:p>
@@ -1488,19 +1396,14 @@
         <p:txBody>
           <a:bodyPr lIns="0" rIns="0" tIns="0" bIns="0" anchor="ctr"/>
           <a:p>
+            <a:pPr algn="ctr"/>
             <a:r>
-              <a:rPr b="0" lang="pt-BR" sz="1800" spc="-1" strike="noStrike">
-                <a:solidFill>
-                  <a:srgbClr val="000000"/>
-                </a:solidFill>
+              <a:rPr b="0" lang="pt-BR" sz="4400" spc="-1" strike="noStrike">
                 <a:latin typeface="Arial"/>
               </a:rPr>
               <a:t>Clique para editar o formato do texto do título</a:t>
             </a:r>
-            <a:endParaRPr b="0" lang="pt-BR" sz="1800" spc="-1" strike="noStrike">
-              <a:solidFill>
-                <a:srgbClr val="000000"/>
-              </a:solidFill>
+            <a:endParaRPr b="0" lang="pt-BR" sz="4400" spc="-1" strike="noStrike">
               <a:latin typeface="Arial"/>
             </a:endParaRPr>
           </a:p>
@@ -1542,18 +1445,12 @@
               <a:buChar char=""/>
             </a:pPr>
             <a:r>
-              <a:rPr b="0" lang="pt-BR" sz="2800" spc="-1" strike="noStrike">
-                <a:solidFill>
-                  <a:srgbClr val="000000"/>
-                </a:solidFill>
+              <a:rPr b="0" lang="pt-BR" sz="3200" spc="-1" strike="noStrike">
                 <a:latin typeface="Arial"/>
               </a:rPr>
               <a:t>Clique para editar o formato do texto da estrutura de tópicos</a:t>
             </a:r>
-            <a:endParaRPr b="0" lang="pt-BR" sz="2800" spc="-1" strike="noStrike">
-              <a:solidFill>
-                <a:srgbClr val="000000"/>
-              </a:solidFill>
+            <a:endParaRPr b="0" lang="pt-BR" sz="3200" spc="-1" strike="noStrike">
               <a:latin typeface="Arial"/>
             </a:endParaRPr>
           </a:p>
@@ -1570,18 +1467,12 @@
               <a:buChar char=""/>
             </a:pPr>
             <a:r>
-              <a:rPr b="0" lang="pt-BR" sz="2000" spc="-1" strike="noStrike">
-                <a:solidFill>
-                  <a:srgbClr val="000000"/>
-                </a:solidFill>
+              <a:rPr b="0" lang="pt-BR" sz="2800" spc="-1" strike="noStrike">
                 <a:latin typeface="Arial"/>
               </a:rPr>
               <a:t>2.º nível da estrutura de tópicos</a:t>
             </a:r>
-            <a:endParaRPr b="0" lang="pt-BR" sz="2000" spc="-1" strike="noStrike">
-              <a:solidFill>
-                <a:srgbClr val="000000"/>
-              </a:solidFill>
+            <a:endParaRPr b="0" lang="pt-BR" sz="2800" spc="-1" strike="noStrike">
               <a:latin typeface="Arial"/>
             </a:endParaRPr>
           </a:p>
@@ -1598,18 +1489,12 @@
               <a:buChar char=""/>
             </a:pPr>
             <a:r>
-              <a:rPr b="0" lang="pt-BR" sz="1800" spc="-1" strike="noStrike">
-                <a:solidFill>
-                  <a:srgbClr val="000000"/>
-                </a:solidFill>
+              <a:rPr b="0" lang="pt-BR" sz="2400" spc="-1" strike="noStrike">
                 <a:latin typeface="Arial"/>
               </a:rPr>
               <a:t>3.º nível da estrutura de tópicos</a:t>
             </a:r>
-            <a:endParaRPr b="0" lang="pt-BR" sz="1800" spc="-1" strike="noStrike">
-              <a:solidFill>
-                <a:srgbClr val="000000"/>
-              </a:solidFill>
+            <a:endParaRPr b="0" lang="pt-BR" sz="2400" spc="-1" strike="noStrike">
               <a:latin typeface="Arial"/>
             </a:endParaRPr>
           </a:p>
@@ -1626,18 +1511,12 @@
               <a:buChar char=""/>
             </a:pPr>
             <a:r>
-              <a:rPr b="0" lang="pt-BR" sz="1800" spc="-1" strike="noStrike">
-                <a:solidFill>
-                  <a:srgbClr val="000000"/>
-                </a:solidFill>
+              <a:rPr b="0" lang="pt-BR" sz="2000" spc="-1" strike="noStrike">
                 <a:latin typeface="Arial"/>
               </a:rPr>
               <a:t>4.º nível da estrutura de tópicos</a:t>
             </a:r>
-            <a:endParaRPr b="0" lang="pt-BR" sz="1800" spc="-1" strike="noStrike">
-              <a:solidFill>
-                <a:srgbClr val="000000"/>
-              </a:solidFill>
+            <a:endParaRPr b="0" lang="pt-BR" sz="2000" spc="-1" strike="noStrike">
               <a:latin typeface="Arial"/>
             </a:endParaRPr>
           </a:p>
@@ -1655,17 +1534,11 @@
             </a:pPr>
             <a:r>
               <a:rPr b="0" lang="pt-BR" sz="2000" spc="-1" strike="noStrike">
-                <a:solidFill>
-                  <a:srgbClr val="000000"/>
-                </a:solidFill>
                 <a:latin typeface="Arial"/>
               </a:rPr>
               <a:t>5.º nível da estrutura de tópicos</a:t>
             </a:r>
             <a:endParaRPr b="0" lang="pt-BR" sz="2000" spc="-1" strike="noStrike">
-              <a:solidFill>
-                <a:srgbClr val="000000"/>
-              </a:solidFill>
               <a:latin typeface="Arial"/>
             </a:endParaRPr>
           </a:p>
@@ -1683,17 +1556,11 @@
             </a:pPr>
             <a:r>
               <a:rPr b="0" lang="pt-BR" sz="2000" spc="-1" strike="noStrike">
-                <a:solidFill>
-                  <a:srgbClr val="000000"/>
-                </a:solidFill>
                 <a:latin typeface="Arial"/>
               </a:rPr>
               <a:t>6.º nível da estrutura de tópicos</a:t>
             </a:r>
             <a:endParaRPr b="0" lang="pt-BR" sz="2000" spc="-1" strike="noStrike">
-              <a:solidFill>
-                <a:srgbClr val="000000"/>
-              </a:solidFill>
               <a:latin typeface="Arial"/>
             </a:endParaRPr>
           </a:p>
@@ -1711,17 +1578,11 @@
             </a:pPr>
             <a:r>
               <a:rPr b="0" lang="pt-BR" sz="2000" spc="-1" strike="noStrike">
-                <a:solidFill>
-                  <a:srgbClr val="000000"/>
-                </a:solidFill>
                 <a:latin typeface="Arial"/>
               </a:rPr>
               <a:t>7.º nível da estrutura de tópicos</a:t>
             </a:r>
             <a:endParaRPr b="0" lang="pt-BR" sz="2000" spc="-1" strike="noStrike">
-              <a:solidFill>
-                <a:srgbClr val="000000"/>
-              </a:solidFill>
               <a:latin typeface="Arial"/>
             </a:endParaRPr>
           </a:p>
@@ -1780,7 +1641,7 @@
         <p:spPr>
           <a:xfrm>
             <a:off x="0" y="0"/>
-            <a:ext cx="12188880" cy="1583280"/>
+            <a:ext cx="12188520" cy="1582920"/>
           </a:xfrm>
           <a:prstGeom prst="rect">
             <a:avLst/>
@@ -1812,7 +1673,7 @@
         <p:spPr>
           <a:xfrm>
             <a:off x="10561680" y="0"/>
-            <a:ext cx="1080000" cy="2503800"/>
+            <a:ext cx="1079640" cy="2503440"/>
           </a:xfrm>
           <a:prstGeom prst="rect">
             <a:avLst/>
@@ -1831,7 +1692,7 @@
         <p:spPr>
           <a:xfrm>
             <a:off x="504000" y="6479280"/>
-            <a:ext cx="11126880" cy="716760"/>
+            <a:ext cx="11126520" cy="716400"/>
           </a:xfrm>
           <a:prstGeom prst="rect">
             <a:avLst/>
@@ -1894,7 +1755,7 @@
         <p:spPr>
           <a:xfrm>
             <a:off x="235080" y="283680"/>
-            <a:ext cx="3997440" cy="1016280"/>
+            <a:ext cx="3997080" cy="1015920"/>
           </a:xfrm>
           <a:prstGeom prst="rect">
             <a:avLst/>
@@ -1913,7 +1774,7 @@
         <p:spPr>
           <a:xfrm>
             <a:off x="3603240" y="3470040"/>
-            <a:ext cx="4928760" cy="1122120"/>
+            <a:ext cx="4928400" cy="1121760"/>
           </a:xfrm>
           <a:prstGeom prst="rect">
             <a:avLst/>
@@ -2098,7 +1959,7 @@
         <p:spPr>
           <a:xfrm>
             <a:off x="0" y="0"/>
-            <a:ext cx="12188880" cy="1583280"/>
+            <a:ext cx="12188520" cy="1582920"/>
           </a:xfrm>
           <a:prstGeom prst="rect">
             <a:avLst/>
@@ -2126,7 +1987,7 @@
         <p:spPr>
           <a:xfrm>
             <a:off x="504000" y="6479280"/>
-            <a:ext cx="11126880" cy="716760"/>
+            <a:ext cx="11126520" cy="716400"/>
           </a:xfrm>
           <a:prstGeom prst="rect">
             <a:avLst/>
@@ -2189,7 +2050,7 @@
         <p:spPr>
           <a:xfrm>
             <a:off x="235080" y="283680"/>
-            <a:ext cx="3997440" cy="1016280"/>
+            <a:ext cx="3997080" cy="1015920"/>
           </a:xfrm>
           <a:prstGeom prst="rect">
             <a:avLst/>
@@ -2212,7 +2073,7 @@
         <p:spPr>
           <a:xfrm>
             <a:off x="103320" y="1738800"/>
-            <a:ext cx="11960640" cy="4835160"/>
+            <a:ext cx="11960280" cy="4834800"/>
           </a:xfrm>
           <a:prstGeom prst="rect">
             <a:avLst/>
@@ -2235,7 +2096,7 @@
         <p:spPr>
           <a:xfrm>
             <a:off x="10561680" y="0"/>
-            <a:ext cx="1080000" cy="2503800"/>
+            <a:ext cx="1079640" cy="2503440"/>
           </a:xfrm>
           <a:prstGeom prst="rect">
             <a:avLst/>
@@ -2310,7 +2171,7 @@
         <p:spPr>
           <a:xfrm>
             <a:off x="504000" y="6479280"/>
-            <a:ext cx="11126880" cy="716760"/>
+            <a:ext cx="11126520" cy="716400"/>
           </a:xfrm>
           <a:prstGeom prst="rect">
             <a:avLst/>
@@ -2368,8 +2229,8 @@
         </p:nvSpPr>
         <p:spPr>
           <a:xfrm rot="16200000">
-            <a:off x="-4992480" y="2727360"/>
-            <a:ext cx="10610280" cy="676440"/>
+            <a:off x="-4992120" y="2727720"/>
+            <a:ext cx="10609920" cy="676080"/>
           </a:xfrm>
           <a:prstGeom prst="rect">
             <a:avLst/>
@@ -2421,8 +2282,8 @@
         </p:blipFill>
         <p:spPr>
           <a:xfrm>
-            <a:off x="1810080" y="187920"/>
-            <a:ext cx="8629920" cy="6076080"/>
+            <a:off x="878760" y="32760"/>
+            <a:ext cx="10514880" cy="6857640"/>
           </a:xfrm>
           <a:prstGeom prst="rect">
             <a:avLst/>
@@ -2501,7 +2362,7 @@
         <p:spPr>
           <a:xfrm>
             <a:off x="235080" y="283680"/>
-            <a:ext cx="3997440" cy="1016280"/>
+            <a:ext cx="3997080" cy="1015920"/>
           </a:xfrm>
           <a:prstGeom prst="rect">
             <a:avLst/>
@@ -2519,8 +2380,8 @@
         </p:nvSpPr>
         <p:spPr>
           <a:xfrm rot="16200000">
-            <a:off x="-4992480" y="2727360"/>
-            <a:ext cx="10610280" cy="676440"/>
+            <a:off x="-4992120" y="2727720"/>
+            <a:ext cx="10609920" cy="676080"/>
           </a:xfrm>
           <a:prstGeom prst="rect">
             <a:avLst/>
@@ -2550,7 +2411,7 @@
         <p:spPr>
           <a:xfrm>
             <a:off x="0" y="0"/>
-            <a:ext cx="12191760" cy="6857640"/>
+            <a:ext cx="12191400" cy="6857280"/>
           </a:xfrm>
           <a:prstGeom prst="rect">
             <a:avLst/>
@@ -2569,7 +2430,7 @@
         <p:spPr>
           <a:xfrm>
             <a:off x="504000" y="6479280"/>
-            <a:ext cx="11126880" cy="716760"/>
+            <a:ext cx="11126520" cy="716400"/>
           </a:xfrm>
           <a:prstGeom prst="rect">
             <a:avLst/>
@@ -2632,7 +2493,7 @@
         <p:spPr>
           <a:xfrm>
             <a:off x="10561680" y="0"/>
-            <a:ext cx="1080000" cy="2503800"/>
+            <a:ext cx="1079640" cy="2503440"/>
           </a:xfrm>
           <a:prstGeom prst="rect">
             <a:avLst/>
@@ -2711,7 +2572,7 @@
         <p:spPr>
           <a:xfrm>
             <a:off x="104760" y="0"/>
-            <a:ext cx="11929680" cy="6857640"/>
+            <a:ext cx="11929320" cy="6857280"/>
           </a:xfrm>
           <a:prstGeom prst="rect">
             <a:avLst/>
@@ -2734,7 +2595,7 @@
         <p:spPr>
           <a:xfrm>
             <a:off x="10561680" y="0"/>
-            <a:ext cx="1080000" cy="2503800"/>
+            <a:ext cx="1079640" cy="2503440"/>
           </a:xfrm>
           <a:prstGeom prst="rect">
             <a:avLst/>
@@ -2753,7 +2614,7 @@
         <p:spPr>
           <a:xfrm>
             <a:off x="504000" y="6479280"/>
-            <a:ext cx="11126880" cy="716760"/>
+            <a:ext cx="11126520" cy="716400"/>
           </a:xfrm>
           <a:prstGeom prst="rect">
             <a:avLst/>
@@ -2867,8 +2728,8 @@
         </p:nvSpPr>
         <p:spPr>
           <a:xfrm rot="16200000">
-            <a:off x="-4416480" y="2727360"/>
-            <a:ext cx="10610280" cy="676440"/>
+            <a:off x="-4416120" y="2727720"/>
+            <a:ext cx="10609920" cy="676080"/>
           </a:xfrm>
           <a:prstGeom prst="rect">
             <a:avLst/>
@@ -2921,7 +2782,7 @@
         <p:spPr>
           <a:xfrm>
             <a:off x="0" y="0"/>
-            <a:ext cx="12191760" cy="6857640"/>
+            <a:ext cx="12191400" cy="6857280"/>
           </a:xfrm>
           <a:prstGeom prst="rect">
             <a:avLst/>
@@ -2940,7 +2801,7 @@
         <p:spPr>
           <a:xfrm>
             <a:off x="504000" y="6479280"/>
-            <a:ext cx="11126880" cy="716760"/>
+            <a:ext cx="11126520" cy="716400"/>
           </a:xfrm>
           <a:prstGeom prst="rect">
             <a:avLst/>
@@ -3003,7 +2864,7 @@
         <p:spPr>
           <a:xfrm>
             <a:off x="10561680" y="0"/>
-            <a:ext cx="1080000" cy="2503800"/>
+            <a:ext cx="1079640" cy="2503440"/>
           </a:xfrm>
           <a:prstGeom prst="rect">
             <a:avLst/>
@@ -3077,8 +2938,8 @@
         </p:nvSpPr>
         <p:spPr>
           <a:xfrm rot="16200000">
-            <a:off x="-4416480" y="2727360"/>
-            <a:ext cx="10610280" cy="676440"/>
+            <a:off x="-4416120" y="2727720"/>
+            <a:ext cx="10609920" cy="676080"/>
           </a:xfrm>
           <a:prstGeom prst="rect">
             <a:avLst/>
@@ -3131,7 +2992,7 @@
         <p:spPr>
           <a:xfrm>
             <a:off x="84240" y="0"/>
-            <a:ext cx="12107520" cy="6857640"/>
+            <a:ext cx="12107160" cy="6857280"/>
           </a:xfrm>
           <a:prstGeom prst="rect">
             <a:avLst/>
@@ -3150,7 +3011,7 @@
         <p:spPr>
           <a:xfrm>
             <a:off x="504000" y="6479280"/>
-            <a:ext cx="11126880" cy="716760"/>
+            <a:ext cx="11126520" cy="716400"/>
           </a:xfrm>
           <a:prstGeom prst="rect">
             <a:avLst/>
@@ -3213,7 +3074,7 @@
         <p:spPr>
           <a:xfrm>
             <a:off x="10561680" y="0"/>
-            <a:ext cx="1080000" cy="2503800"/>
+            <a:ext cx="1079640" cy="2503440"/>
           </a:xfrm>
           <a:prstGeom prst="rect">
             <a:avLst/>
